--- a/GFG JS Course Curriculam/Articles/006 Objects.pptx
+++ b/GFG JS Course Curriculam/Articles/006 Objects.pptx
@@ -195,6 +195,11 @@
       </a:defRPr>
     </a:lvl9pPr>
   </p:defaultTextStyle>
+  <p:extLst>
+    <p:ext uri="{EFAFB233-063F-42B5-8137-9DF3F51BA10A}">
+      <p15:sldGuideLst xmlns:p15="http://schemas.microsoft.com/office/powerpoint/2012/main"/>
+    </p:ext>
+  </p:extLst>
 </p:presentation>
 </file>
 
@@ -3552,12 +3557,26 @@
             <p:ph type="title"/>
           </p:nvPr>
         </p:nvSpPr>
-        <p:spPr/>
-        <p:txBody>
-          <a:bodyPr/>
-          <a:lstStyle/>
-          <a:p>
-            <a:endParaRPr lang="en-IN"/>
+        <p:spPr>
+          <a:xfrm>
+            <a:off x="1143000" y="452488"/>
+            <a:ext cx="9875520" cy="641022"/>
+          </a:xfrm>
+        </p:spPr>
+        <p:txBody>
+          <a:bodyPr>
+            <a:normAutofit fontScale="90000"/>
+          </a:bodyPr>
+          <a:lstStyle/>
+          <a:p>
+            <a:r>
+              <a:rPr lang="en-IN" b="0" i="0" dirty="0">
+                <a:effectLst/>
+                <a:latin typeface="sofia-pro"/>
+              </a:rPr>
+              <a:t>Optional Chaining</a:t>
+            </a:r>
+            <a:endParaRPr lang="en-IN" dirty="0"/>
           </a:p>
         </p:txBody>
       </p:sp>
@@ -3577,12 +3596,342 @@
             <p:ph idx="1"/>
           </p:nvPr>
         </p:nvSpPr>
-        <p:spPr/>
-        <p:txBody>
-          <a:bodyPr/>
-          <a:lstStyle/>
-          <a:p>
-            <a:endParaRPr lang="en-IN"/>
+        <p:spPr>
+          <a:xfrm>
+            <a:off x="1404594" y="1093510"/>
+            <a:ext cx="9875520" cy="5002490"/>
+          </a:xfrm>
+        </p:spPr>
+        <p:txBody>
+          <a:bodyPr numCol="2">
+            <a:normAutofit fontScale="62500" lnSpcReduction="20000"/>
+          </a:bodyPr>
+          <a:lstStyle/>
+          <a:p>
+            <a:r>
+              <a:rPr lang="en-US" dirty="0"/>
+              <a:t>The optional chaining ‘?.’ is an error-proof way to access nested object properties, even if an intermediate property doesn’t exist. It was recently introduced by ECMA International, Technical Committee 39 – ECMAScript which was authored by Claude </a:t>
+            </a:r>
+            <a:r>
+              <a:rPr lang="en-US" dirty="0" err="1"/>
+              <a:t>Pache</a:t>
+            </a:r>
+            <a:r>
+              <a:rPr lang="en-US" dirty="0"/>
+              <a:t>, Gabriel Isenberg, Daniel </a:t>
+            </a:r>
+            <a:r>
+              <a:rPr lang="en-US" dirty="0" err="1"/>
+              <a:t>Rosenwasser</a:t>
+            </a:r>
+            <a:r>
+              <a:rPr lang="en-US" dirty="0"/>
+              <a:t>, Dustin </a:t>
+            </a:r>
+            <a:r>
+              <a:rPr lang="en-US" dirty="0" err="1"/>
+              <a:t>Savery</a:t>
+            </a:r>
+            <a:r>
+              <a:rPr lang="en-US" dirty="0"/>
+              <a:t>. It works similar to Chaining ‘.’ except that it does not report the error, instead it returns a value which is undefined. It also works with function call when we try to make a call to a method which may not exist.</a:t>
+            </a:r>
+          </a:p>
+          <a:p>
+            <a:r>
+              <a:rPr lang="en-US" dirty="0"/>
+              <a:t>When we want to check a value of the property which is deep inside a tree-like structure, we often have to perform check whether intermediate nodes exist.</a:t>
+            </a:r>
+          </a:p>
+          <a:p>
+            <a:pPr marL="548640" lvl="2" indent="0">
+              <a:buNone/>
+            </a:pPr>
+            <a:r>
+              <a:rPr lang="en-US" dirty="0"/>
+              <a:t>let Value = </a:t>
+            </a:r>
+            <a:r>
+              <a:rPr lang="en-US" dirty="0" err="1"/>
+              <a:t>user.dog</a:t>
+            </a:r>
+            <a:r>
+              <a:rPr lang="en-US" dirty="0"/>
+              <a:t> &amp;&amp; user.dog.name;</a:t>
+            </a:r>
+          </a:p>
+          <a:p>
+            <a:r>
+              <a:rPr lang="en-US" dirty="0"/>
+              <a:t>The Optional Chaining Operator allows a developer to handle many of those cases without repeating themselves and/or assigning intermediate results in temporary variables:</a:t>
+            </a:r>
+          </a:p>
+          <a:p>
+            <a:pPr marL="548640" lvl="2" indent="0">
+              <a:buNone/>
+            </a:pPr>
+            <a:r>
+              <a:rPr lang="en-US" dirty="0"/>
+              <a:t>let Value = user.dog?.name;</a:t>
+            </a:r>
+          </a:p>
+          <a:p>
+            <a:r>
+              <a:rPr lang="en-US" dirty="0"/>
+              <a:t>Syntax: </a:t>
+            </a:r>
+          </a:p>
+          <a:p>
+            <a:pPr lvl="1"/>
+            <a:r>
+              <a:rPr lang="en-US" dirty="0" err="1"/>
+              <a:t>obj?.prop</a:t>
+            </a:r>
+            <a:endParaRPr lang="en-US" dirty="0"/>
+          </a:p>
+          <a:p>
+            <a:pPr lvl="1"/>
+            <a:r>
+              <a:rPr lang="en-US" dirty="0"/>
+              <a:t>obj?.[expr]</a:t>
+            </a:r>
+          </a:p>
+          <a:p>
+            <a:pPr lvl="1"/>
+            <a:r>
+              <a:rPr lang="en-US" dirty="0" err="1"/>
+              <a:t>arr</a:t>
+            </a:r>
+            <a:r>
+              <a:rPr lang="en-US" dirty="0"/>
+              <a:t>?.[index]</a:t>
+            </a:r>
+          </a:p>
+          <a:p>
+            <a:pPr lvl="1"/>
+            <a:r>
+              <a:rPr lang="en-US" dirty="0" err="1"/>
+              <a:t>func</a:t>
+            </a:r>
+            <a:r>
+              <a:rPr lang="en-US" dirty="0"/>
+              <a:t>?.(</a:t>
+            </a:r>
+            <a:r>
+              <a:rPr lang="en-US" dirty="0" err="1"/>
+              <a:t>args</a:t>
+            </a:r>
+            <a:r>
+              <a:rPr lang="en-US" dirty="0"/>
+              <a:t>)</a:t>
+            </a:r>
+          </a:p>
+          <a:p>
+            <a:r>
+              <a:rPr lang="en-US" dirty="0"/>
+              <a:t>Note: If this code gives any error try to run it on online JavaScript editor.</a:t>
+            </a:r>
+          </a:p>
+          <a:p>
+            <a:r>
+              <a:rPr lang="en-US" dirty="0"/>
+              <a:t>Example: Optional Chaining with Object</a:t>
+            </a:r>
+          </a:p>
+          <a:p>
+            <a:pPr marL="548640" lvl="2" indent="0">
+              <a:buNone/>
+            </a:pPr>
+            <a:r>
+              <a:rPr lang="en-US" dirty="0"/>
+              <a:t>const user = {</a:t>
+            </a:r>
+          </a:p>
+          <a:p>
+            <a:pPr marL="548640" lvl="2" indent="0">
+              <a:buNone/>
+            </a:pPr>
+            <a:r>
+              <a:rPr lang="en-US" dirty="0"/>
+              <a:t>  dog: {</a:t>
+            </a:r>
+          </a:p>
+          <a:p>
+            <a:pPr marL="548640" lvl="2" indent="0">
+              <a:buNone/>
+            </a:pPr>
+            <a:r>
+              <a:rPr lang="en-US" dirty="0"/>
+              <a:t>    name: "Alex"</a:t>
+            </a:r>
+          </a:p>
+          <a:p>
+            <a:pPr marL="548640" lvl="2" indent="0">
+              <a:buNone/>
+            </a:pPr>
+            <a:r>
+              <a:rPr lang="en-US" dirty="0"/>
+              <a:t>  }</a:t>
+            </a:r>
+          </a:p>
+          <a:p>
+            <a:pPr marL="548640" lvl="2" indent="0">
+              <a:buNone/>
+            </a:pPr>
+            <a:r>
+              <a:rPr lang="en-US" dirty="0"/>
+              <a:t>};</a:t>
+            </a:r>
+          </a:p>
+          <a:p>
+            <a:pPr marL="548640" lvl="2" indent="0">
+              <a:buNone/>
+            </a:pPr>
+            <a:r>
+              <a:rPr lang="en-US" dirty="0"/>
+              <a:t>console.log(user.cat?.name); //undefined</a:t>
+            </a:r>
+          </a:p>
+          <a:p>
+            <a:pPr marL="548640" lvl="2" indent="0">
+              <a:buNone/>
+            </a:pPr>
+            <a:r>
+              <a:rPr lang="en-US" dirty="0"/>
+              <a:t>console.log(user.dog?.name); //Alex</a:t>
+            </a:r>
+          </a:p>
+          <a:p>
+            <a:pPr marL="548640" lvl="2" indent="0">
+              <a:buNone/>
+            </a:pPr>
+            <a:r>
+              <a:rPr lang="en-US" dirty="0"/>
+              <a:t>console.log(user.cat.name);</a:t>
+            </a:r>
+          </a:p>
+          <a:p>
+            <a:r>
+              <a:rPr lang="en-US" dirty="0"/>
+              <a:t>Example: Optional Chaining with Function Call</a:t>
+            </a:r>
+          </a:p>
+          <a:p>
+            <a:pPr marL="548640" lvl="2" indent="0">
+              <a:buNone/>
+            </a:pPr>
+            <a:r>
+              <a:rPr lang="en-US" dirty="0"/>
+              <a:t>let user1 = () =&gt; console.log("Alex");</a:t>
+            </a:r>
+          </a:p>
+          <a:p>
+            <a:pPr marL="548640" lvl="2" indent="0">
+              <a:buNone/>
+            </a:pPr>
+            <a:r>
+              <a:rPr lang="en-US" dirty="0"/>
+              <a:t>let user2 = {</a:t>
+            </a:r>
+          </a:p>
+          <a:p>
+            <a:pPr marL="548640" lvl="2" indent="0">
+              <a:buNone/>
+            </a:pPr>
+            <a:r>
+              <a:rPr lang="en-US" dirty="0"/>
+              <a:t>  dog(){</a:t>
+            </a:r>
+          </a:p>
+          <a:p>
+            <a:pPr marL="548640" lvl="2" indent="0">
+              <a:buNone/>
+            </a:pPr>
+            <a:r>
+              <a:rPr lang="en-US" dirty="0"/>
+              <a:t>    console.log("I am Alex");</a:t>
+            </a:r>
+          </a:p>
+          <a:p>
+            <a:pPr marL="548640" lvl="2" indent="0">
+              <a:buNone/>
+            </a:pPr>
+            <a:r>
+              <a:rPr lang="en-US" dirty="0"/>
+              <a:t>  }</a:t>
+            </a:r>
+          </a:p>
+          <a:p>
+            <a:pPr marL="548640" lvl="2" indent="0">
+              <a:buNone/>
+            </a:pPr>
+            <a:r>
+              <a:rPr lang="en-US" dirty="0"/>
+              <a:t>}</a:t>
+            </a:r>
+          </a:p>
+          <a:p>
+            <a:pPr marL="548640" lvl="2" indent="0">
+              <a:buNone/>
+            </a:pPr>
+            <a:r>
+              <a:rPr lang="en-US" dirty="0"/>
+              <a:t>let user3 = {};</a:t>
+            </a:r>
+          </a:p>
+          <a:p>
+            <a:pPr marL="548640" lvl="2" indent="0">
+              <a:buNone/>
+            </a:pPr>
+            <a:r>
+              <a:rPr lang="en-US" dirty="0"/>
+              <a:t>user1?.();       // Alex</a:t>
+            </a:r>
+          </a:p>
+          <a:p>
+            <a:pPr marL="548640" lvl="2" indent="0">
+              <a:buNone/>
+            </a:pPr>
+            <a:r>
+              <a:rPr lang="en-US" dirty="0"/>
+              <a:t>user2.dog?.();   // I am Alex</a:t>
+            </a:r>
+          </a:p>
+          <a:p>
+            <a:pPr marL="548640" lvl="2" indent="0">
+              <a:buNone/>
+            </a:pPr>
+            <a:r>
+              <a:rPr lang="en-US" dirty="0"/>
+              <a:t>user3.dog();     // ERROR - Uncaught </a:t>
+            </a:r>
+            <a:r>
+              <a:rPr lang="en-US" dirty="0" err="1"/>
+              <a:t>TypeError</a:t>
+            </a:r>
+            <a:r>
+              <a:rPr lang="en-US" dirty="0"/>
+              <a:t>:</a:t>
+            </a:r>
+          </a:p>
+          <a:p>
+            <a:pPr marL="548640" lvl="2" indent="0">
+              <a:buNone/>
+            </a:pPr>
+            <a:r>
+              <a:rPr lang="en-US" dirty="0"/>
+              <a:t>                 // user3.dog is not a function.</a:t>
+            </a:r>
+          </a:p>
+          <a:p>
+            <a:pPr marL="548640" lvl="2" indent="0">
+              <a:buNone/>
+            </a:pPr>
+            <a:r>
+              <a:rPr lang="en-US" dirty="0"/>
+              <a:t>user3.dog?.();   // Will not generate any error.</a:t>
+            </a:r>
+            <a:endParaRPr lang="en-IN" dirty="0"/>
           </a:p>
         </p:txBody>
       </p:sp>
@@ -3632,12 +3981,33 @@
             <p:ph type="title"/>
           </p:nvPr>
         </p:nvSpPr>
-        <p:spPr/>
-        <p:txBody>
-          <a:bodyPr/>
-          <a:lstStyle/>
-          <a:p>
-            <a:endParaRPr lang="en-IN"/>
+        <p:spPr>
+          <a:xfrm>
+            <a:off x="1143000" y="609600"/>
+            <a:ext cx="9875520" cy="540470"/>
+          </a:xfrm>
+        </p:spPr>
+        <p:txBody>
+          <a:bodyPr>
+            <a:normAutofit fontScale="90000"/>
+          </a:bodyPr>
+          <a:lstStyle/>
+          <a:p>
+            <a:r>
+              <a:rPr lang="en-IN" b="0" i="0" dirty="0" err="1">
+                <a:effectLst/>
+                <a:latin typeface="sofia-pro"/>
+              </a:rPr>
+              <a:t>Destructuring</a:t>
+            </a:r>
+            <a:r>
+              <a:rPr lang="en-IN" b="0" i="0" dirty="0">
+                <a:effectLst/>
+                <a:latin typeface="sofia-pro"/>
+              </a:rPr>
+              <a:t> Object</a:t>
+            </a:r>
+            <a:endParaRPr lang="en-IN" dirty="0"/>
           </a:p>
         </p:txBody>
       </p:sp>
@@ -3657,12 +4027,237 @@
             <p:ph idx="1"/>
           </p:nvPr>
         </p:nvSpPr>
-        <p:spPr/>
-        <p:txBody>
-          <a:bodyPr/>
-          <a:lstStyle/>
-          <a:p>
-            <a:endParaRPr lang="en-IN"/>
+        <p:spPr>
+          <a:xfrm>
+            <a:off x="1143000" y="1338606"/>
+            <a:ext cx="9872871" cy="5015060"/>
+          </a:xfrm>
+        </p:spPr>
+        <p:txBody>
+          <a:bodyPr>
+            <a:normAutofit fontScale="62500" lnSpcReduction="20000"/>
+          </a:bodyPr>
+          <a:lstStyle/>
+          <a:p>
+            <a:r>
+              <a:rPr lang="en-US" dirty="0"/>
+              <a:t>Similar to array </a:t>
+            </a:r>
+            <a:r>
+              <a:rPr lang="en-US" dirty="0" err="1"/>
+              <a:t>destructuring</a:t>
+            </a:r>
+            <a:r>
+              <a:rPr lang="en-US" dirty="0"/>
+              <a:t>, but with the ability to extract an object's properties (or keys) and their associated values rather than values from an array.</a:t>
+            </a:r>
+          </a:p>
+          <a:p>
+            <a:r>
+              <a:rPr lang="en-US" dirty="0"/>
+              <a:t>We </a:t>
+            </a:r>
+            <a:r>
+              <a:rPr lang="en-US" dirty="0" err="1"/>
+              <a:t>utilise</a:t>
+            </a:r>
+            <a:r>
+              <a:rPr lang="en-US" dirty="0"/>
+              <a:t> keys as the variable name while </a:t>
+            </a:r>
+            <a:r>
+              <a:rPr lang="en-US" dirty="0" err="1"/>
+              <a:t>destructuring</a:t>
+            </a:r>
+            <a:r>
+              <a:rPr lang="en-US" dirty="0"/>
+              <a:t> the objects. The name of the variable and the object's property (or keys) must correspond. If it doesn't match, it gets a value that isn't specified. JavaScript learns which property of the object we wish to attach by doing this.</a:t>
+            </a:r>
+          </a:p>
+          <a:p>
+            <a:r>
+              <a:rPr lang="en-US" dirty="0"/>
+              <a:t>In object </a:t>
+            </a:r>
+            <a:r>
+              <a:rPr lang="en-US" dirty="0" err="1"/>
+              <a:t>destructuring</a:t>
+            </a:r>
+            <a:r>
+              <a:rPr lang="en-US" dirty="0"/>
+              <a:t>, keys rather than positions are used to extract data (or index).</a:t>
+            </a:r>
+          </a:p>
+          <a:p>
+            <a:r>
+              <a:rPr lang="en-US" dirty="0"/>
+              <a:t>First, use the following example to try to understand the fundamental assignment in object </a:t>
+            </a:r>
+            <a:r>
+              <a:rPr lang="en-US" dirty="0" err="1"/>
+              <a:t>destructuring</a:t>
+            </a:r>
+            <a:r>
+              <a:rPr lang="en-US" dirty="0"/>
+              <a:t>.</a:t>
+            </a:r>
+          </a:p>
+          <a:p>
+            <a:r>
+              <a:rPr lang="en-US" dirty="0"/>
+              <a:t>Simple assignment</a:t>
+            </a:r>
+          </a:p>
+          <a:p>
+            <a:pPr marL="548640" lvl="2" indent="0">
+              <a:buNone/>
+            </a:pPr>
+            <a:r>
+              <a:rPr lang="en-US" dirty="0"/>
+              <a:t>const num = {</a:t>
+            </a:r>
+          </a:p>
+          <a:p>
+            <a:pPr marL="548640" lvl="2" indent="0">
+              <a:buNone/>
+            </a:pPr>
+            <a:r>
+              <a:rPr lang="en-US" dirty="0"/>
+              <a:t>a: 1, </a:t>
+            </a:r>
+          </a:p>
+          <a:p>
+            <a:pPr marL="548640" lvl="2" indent="0">
+              <a:buNone/>
+            </a:pPr>
+            <a:r>
+              <a:rPr lang="en-US" dirty="0"/>
+              <a:t>b: 2</a:t>
+            </a:r>
+          </a:p>
+          <a:p>
+            <a:pPr marL="548640" lvl="2" indent="0">
+              <a:buNone/>
+            </a:pPr>
+            <a:r>
+              <a:rPr lang="en-US" dirty="0"/>
+              <a:t>};  </a:t>
+            </a:r>
+          </a:p>
+          <a:p>
+            <a:pPr marL="548640" lvl="2" indent="0">
+              <a:buNone/>
+            </a:pPr>
+            <a:r>
+              <a:rPr lang="en-US" dirty="0"/>
+              <a:t>const {a, b} = num;  </a:t>
+            </a:r>
+          </a:p>
+          <a:p>
+            <a:pPr marL="548640" lvl="2" indent="0">
+              <a:buNone/>
+            </a:pPr>
+            <a:r>
+              <a:rPr lang="en-US" dirty="0"/>
+              <a:t>console.log(a); // 1  </a:t>
+            </a:r>
+          </a:p>
+          <a:p>
+            <a:pPr marL="548640" lvl="2" indent="0">
+              <a:buNone/>
+            </a:pPr>
+            <a:r>
+              <a:rPr lang="en-US" dirty="0"/>
+              <a:t>console.log(b); // 2  </a:t>
+            </a:r>
+          </a:p>
+          <a:p>
+            <a:r>
+              <a:rPr lang="en-US" dirty="0"/>
+              <a:t>Let us understand the basic object </a:t>
+            </a:r>
+            <a:r>
+              <a:rPr lang="en-US" dirty="0" err="1"/>
+              <a:t>destructuring</a:t>
+            </a:r>
+            <a:r>
+              <a:rPr lang="en-US" dirty="0"/>
+              <a:t> assignment.</a:t>
+            </a:r>
+          </a:p>
+          <a:p>
+            <a:r>
+              <a:rPr lang="en-US" dirty="0"/>
+              <a:t>Basic Object </a:t>
+            </a:r>
+            <a:r>
+              <a:rPr lang="en-US" dirty="0" err="1"/>
+              <a:t>Destructuring</a:t>
+            </a:r>
+            <a:r>
+              <a:rPr lang="en-US" dirty="0"/>
+              <a:t> assignment</a:t>
+            </a:r>
+          </a:p>
+          <a:p>
+            <a:pPr marL="548640" lvl="2" indent="0">
+              <a:buNone/>
+            </a:pPr>
+            <a:r>
+              <a:rPr lang="en-US" dirty="0"/>
+              <a:t>const student = {name: 'Prabal', </a:t>
+            </a:r>
+            <a:r>
+              <a:rPr lang="en-US" dirty="0" err="1"/>
+              <a:t>rollno</a:t>
+            </a:r>
+            <a:r>
+              <a:rPr lang="en-US" dirty="0"/>
+              <a:t>: '5'};  </a:t>
+            </a:r>
+          </a:p>
+          <a:p>
+            <a:pPr marL="548640" lvl="2" indent="0">
+              <a:buNone/>
+            </a:pPr>
+            <a:r>
+              <a:rPr lang="en-US" dirty="0"/>
+              <a:t>const {name, </a:t>
+            </a:r>
+            <a:r>
+              <a:rPr lang="en-US" dirty="0" err="1"/>
+              <a:t>rollno</a:t>
+            </a:r>
+            <a:r>
+              <a:rPr lang="en-US" dirty="0"/>
+              <a:t>} = student;  </a:t>
+            </a:r>
+          </a:p>
+          <a:p>
+            <a:pPr marL="548640" lvl="2" indent="0">
+              <a:buNone/>
+            </a:pPr>
+            <a:r>
+              <a:rPr lang="en-US" dirty="0"/>
+              <a:t>console.log(name);	//Prabal </a:t>
+            </a:r>
+          </a:p>
+          <a:p>
+            <a:pPr marL="548640" lvl="2" indent="0">
+              <a:buNone/>
+            </a:pPr>
+            <a:r>
+              <a:rPr lang="en-US" dirty="0"/>
+              <a:t>console.log(</a:t>
+            </a:r>
+            <a:r>
+              <a:rPr lang="en-US" dirty="0" err="1"/>
+              <a:t>rollno</a:t>
+            </a:r>
+            <a:r>
+              <a:rPr lang="en-US" dirty="0"/>
+              <a:t>);	//5 </a:t>
+            </a:r>
           </a:p>
         </p:txBody>
       </p:sp>
@@ -3712,12 +4307,33 @@
             <p:ph type="title"/>
           </p:nvPr>
         </p:nvSpPr>
-        <p:spPr/>
-        <p:txBody>
-          <a:bodyPr/>
-          <a:lstStyle/>
-          <a:p>
-            <a:endParaRPr lang="en-IN"/>
+        <p:spPr>
+          <a:xfrm>
+            <a:off x="1143000" y="609600"/>
+            <a:ext cx="9875520" cy="549897"/>
+          </a:xfrm>
+        </p:spPr>
+        <p:txBody>
+          <a:bodyPr>
+            <a:normAutofit fontScale="90000"/>
+          </a:bodyPr>
+          <a:lstStyle/>
+          <a:p>
+            <a:r>
+              <a:rPr lang="en-IN" b="0" i="0" dirty="0" err="1">
+                <a:effectLst/>
+                <a:latin typeface="sofia-pro"/>
+              </a:rPr>
+              <a:t>Destructuring</a:t>
+            </a:r>
+            <a:r>
+              <a:rPr lang="en-IN" b="0" i="0" dirty="0">
+                <a:effectLst/>
+                <a:latin typeface="sofia-pro"/>
+              </a:rPr>
+              <a:t> Object</a:t>
+            </a:r>
+            <a:endParaRPr lang="en-IN" dirty="0"/>
           </a:p>
         </p:txBody>
       </p:sp>
@@ -3737,12 +4353,192 @@
             <p:ph idx="1"/>
           </p:nvPr>
         </p:nvSpPr>
-        <p:spPr/>
-        <p:txBody>
-          <a:bodyPr/>
-          <a:lstStyle/>
-          <a:p>
-            <a:endParaRPr lang="en-IN"/>
+        <p:spPr>
+          <a:xfrm>
+            <a:off x="1143000" y="1395167"/>
+            <a:ext cx="9872871" cy="5015060"/>
+          </a:xfrm>
+        </p:spPr>
+        <p:txBody>
+          <a:bodyPr>
+            <a:normAutofit fontScale="70000" lnSpcReduction="20000"/>
+          </a:bodyPr>
+          <a:lstStyle/>
+          <a:p>
+            <a:r>
+              <a:rPr lang="en-US" dirty="0"/>
+              <a:t>Object </a:t>
+            </a:r>
+            <a:r>
+              <a:rPr lang="en-US" dirty="0" err="1"/>
+              <a:t>destructuring</a:t>
+            </a:r>
+            <a:r>
+              <a:rPr lang="en-US" dirty="0"/>
+              <a:t> and default value</a:t>
+            </a:r>
+          </a:p>
+          <a:p>
+            <a:r>
+              <a:rPr lang="en-US" dirty="0"/>
+              <a:t>Similar to array </a:t>
+            </a:r>
+            <a:r>
+              <a:rPr lang="en-US" dirty="0" err="1"/>
+              <a:t>destructuring</a:t>
+            </a:r>
+            <a:r>
+              <a:rPr lang="en-US" dirty="0"/>
+              <a:t>, if the value unpacked from the object is undefined, a default value can be assigned to the variable. The example that follows should make it clear.</a:t>
+            </a:r>
+          </a:p>
+          <a:p>
+            <a:pPr marL="548640" lvl="2" indent="0">
+              <a:buNone/>
+            </a:pPr>
+            <a:r>
+              <a:rPr lang="en-US" dirty="0"/>
+              <a:t>const {a = 1, b = 2} = {a: 5};  </a:t>
+            </a:r>
+          </a:p>
+          <a:p>
+            <a:pPr marL="548640" lvl="2" indent="0">
+              <a:buNone/>
+            </a:pPr>
+            <a:r>
+              <a:rPr lang="en-US" dirty="0"/>
+              <a:t>console.log(a);	//5   </a:t>
+            </a:r>
+          </a:p>
+          <a:p>
+            <a:pPr marL="548640" lvl="2" indent="0">
+              <a:buNone/>
+            </a:pPr>
+            <a:r>
+              <a:rPr lang="en-US" dirty="0"/>
+              <a:t>console.log(b);	//2  </a:t>
+            </a:r>
+          </a:p>
+          <a:p>
+            <a:r>
+              <a:rPr lang="en-US" dirty="0"/>
+              <a:t>Assigning new variable names</a:t>
+            </a:r>
+          </a:p>
+          <a:p>
+            <a:r>
+              <a:rPr lang="en-US" dirty="0"/>
+              <a:t>We can assign a variable with a different name than the property of the object. You can see the illustration for the same as follows:</a:t>
+            </a:r>
+          </a:p>
+          <a:p>
+            <a:pPr marL="548640" lvl="2" indent="0">
+              <a:buNone/>
+            </a:pPr>
+            <a:r>
+              <a:rPr lang="en-US" dirty="0"/>
+              <a:t>const num = {x: 1, y: 2};  </a:t>
+            </a:r>
+          </a:p>
+          <a:p>
+            <a:pPr marL="548640" lvl="2" indent="0">
+              <a:buNone/>
+            </a:pPr>
+            <a:r>
+              <a:rPr lang="en-US" dirty="0"/>
+              <a:t>const {x: a, y: b} = num;  </a:t>
+            </a:r>
+          </a:p>
+          <a:p>
+            <a:pPr marL="548640" lvl="2" indent="0">
+              <a:buNone/>
+            </a:pPr>
+            <a:r>
+              <a:rPr lang="en-US" dirty="0"/>
+              <a:t>console.log(a);	//1   </a:t>
+            </a:r>
+          </a:p>
+          <a:p>
+            <a:pPr marL="548640" lvl="2" indent="0">
+              <a:buNone/>
+            </a:pPr>
+            <a:r>
+              <a:rPr lang="en-US" dirty="0"/>
+              <a:t>console.log(b);	//2 </a:t>
+            </a:r>
+          </a:p>
+          <a:p>
+            <a:r>
+              <a:rPr lang="en-US" dirty="0"/>
+              <a:t>Rest operator</a:t>
+            </a:r>
+          </a:p>
+          <a:p>
+            <a:r>
+              <a:rPr lang="en-US" dirty="0"/>
+              <a:t>We can store all of an object's remaining keys in a new object variable by using the remainder operator (...) during object </a:t>
+            </a:r>
+            <a:r>
+              <a:rPr lang="en-US" dirty="0" err="1"/>
+              <a:t>destructuring</a:t>
+            </a:r>
+            <a:r>
+              <a:rPr lang="en-US" dirty="0"/>
+              <a:t>.</a:t>
+            </a:r>
+          </a:p>
+          <a:p>
+            <a:pPr marL="548640" lvl="2" indent="0">
+              <a:buNone/>
+            </a:pPr>
+            <a:r>
+              <a:rPr lang="en-US" dirty="0"/>
+              <a:t>let {a, b, ...</a:t>
+            </a:r>
+            <a:r>
+              <a:rPr lang="en-US" dirty="0" err="1"/>
+              <a:t>args</a:t>
+            </a:r>
+            <a:r>
+              <a:rPr lang="en-US" dirty="0"/>
+              <a:t>} = {a: 1, b: 2, c: 3, d: 4, e: 5}  </a:t>
+            </a:r>
+          </a:p>
+          <a:p>
+            <a:pPr marL="548640" lvl="2" indent="0">
+              <a:buNone/>
+            </a:pPr>
+            <a:r>
+              <a:rPr lang="en-US" dirty="0"/>
+              <a:t>console.log(a);	//1   </a:t>
+            </a:r>
+          </a:p>
+          <a:p>
+            <a:pPr marL="548640" lvl="2" indent="0">
+              <a:buNone/>
+            </a:pPr>
+            <a:r>
+              <a:rPr lang="en-US" dirty="0"/>
+              <a:t>console.log(b);	//2   </a:t>
+            </a:r>
+          </a:p>
+          <a:p>
+            <a:pPr marL="548640" lvl="2" indent="0">
+              <a:buNone/>
+            </a:pPr>
+            <a:r>
+              <a:rPr lang="en-US" dirty="0"/>
+              <a:t>console.log(</a:t>
+            </a:r>
+            <a:r>
+              <a:rPr lang="en-US" dirty="0" err="1"/>
+              <a:t>args</a:t>
+            </a:r>
+            <a:r>
+              <a:rPr lang="en-US" dirty="0"/>
+              <a:t>);	//{ c: 3, d: 4, e: 5 } </a:t>
+            </a:r>
+            <a:endParaRPr lang="en-IN" dirty="0"/>
           </a:p>
         </p:txBody>
       </p:sp>
@@ -3792,12 +4588,26 @@
             <p:ph type="title"/>
           </p:nvPr>
         </p:nvSpPr>
-        <p:spPr/>
-        <p:txBody>
-          <a:bodyPr/>
-          <a:lstStyle/>
-          <a:p>
-            <a:endParaRPr lang="en-IN"/>
+        <p:spPr>
+          <a:xfrm>
+            <a:off x="1143000" y="609600"/>
+            <a:ext cx="9875520" cy="531043"/>
+          </a:xfrm>
+        </p:spPr>
+        <p:txBody>
+          <a:bodyPr>
+            <a:normAutofit fontScale="90000"/>
+          </a:bodyPr>
+          <a:lstStyle/>
+          <a:p>
+            <a:r>
+              <a:rPr lang="en-IN" b="0" i="0" dirty="0">
+                <a:effectLst/>
+                <a:latin typeface="sofia-pro"/>
+              </a:rPr>
+              <a:t>Property Shorthand</a:t>
+            </a:r>
+            <a:endParaRPr lang="en-IN" dirty="0"/>
           </a:p>
         </p:txBody>
       </p:sp>
@@ -3817,12 +4627,127 @@
             <p:ph idx="1"/>
           </p:nvPr>
         </p:nvSpPr>
-        <p:spPr/>
-        <p:txBody>
-          <a:bodyPr/>
-          <a:lstStyle/>
-          <a:p>
-            <a:endParaRPr lang="en-IN"/>
+        <p:spPr>
+          <a:xfrm>
+            <a:off x="1143000" y="1225485"/>
+            <a:ext cx="9872871" cy="5184742"/>
+          </a:xfrm>
+        </p:spPr>
+        <p:txBody>
+          <a:bodyPr>
+            <a:normAutofit fontScale="85000" lnSpcReduction="20000"/>
+          </a:bodyPr>
+          <a:lstStyle/>
+          <a:p>
+            <a:r>
+              <a:rPr lang="en-US" dirty="0"/>
+              <a:t>Objects in JavaScript are the most important data-type and forms the building blocks for modern JavaScript. These objects are quite different from JavaScript primitive data-types (Number, String, Boolean, null, undefined, and symbol) in the sense that while these primitive data-types all store a single value each (depending on their types).</a:t>
+            </a:r>
+          </a:p>
+          <a:p>
+            <a:r>
+              <a:rPr lang="en-US" dirty="0"/>
+              <a:t>The shorthand syntax for object property value is very popular and widely used nowadays. The code looks cleaner and easy to read. The shorthand property makes the code size smaller and simpler.</a:t>
+            </a:r>
+          </a:p>
+          <a:p>
+            <a:r>
+              <a:rPr lang="en-US" dirty="0"/>
+              <a:t>Example: This example displaying the details of object using shorthand Syntax for object property value in ES6.</a:t>
+            </a:r>
+          </a:p>
+          <a:p>
+            <a:r>
+              <a:rPr lang="en-US" dirty="0"/>
+              <a:t>// Object property shorthand</a:t>
+            </a:r>
+          </a:p>
+          <a:p>
+            <a:pPr marL="548640" lvl="2" indent="0">
+              <a:buNone/>
+            </a:pPr>
+            <a:r>
+              <a:rPr lang="en-US" dirty="0"/>
+              <a:t>const name = 'Raj'</a:t>
+            </a:r>
+          </a:p>
+          <a:p>
+            <a:pPr marL="548640" lvl="2" indent="0">
+              <a:buNone/>
+            </a:pPr>
+            <a:r>
+              <a:rPr lang="en-US" dirty="0"/>
+              <a:t>const age = 20</a:t>
+            </a:r>
+          </a:p>
+          <a:p>
+            <a:pPr marL="548640" lvl="2" indent="0">
+              <a:buNone/>
+            </a:pPr>
+            <a:r>
+              <a:rPr lang="en-US" dirty="0"/>
+              <a:t>const location = 'India'</a:t>
+            </a:r>
+          </a:p>
+          <a:p>
+            <a:r>
+              <a:rPr lang="en-US" dirty="0"/>
+              <a:t>// User with ES6 shorthand property </a:t>
+            </a:r>
+          </a:p>
+          <a:p>
+            <a:pPr marL="548640" lvl="2" indent="0">
+              <a:buNone/>
+            </a:pPr>
+            <a:r>
+              <a:rPr lang="en-US" dirty="0"/>
+              <a:t>const user = {</a:t>
+            </a:r>
+          </a:p>
+          <a:p>
+            <a:pPr marL="548640" lvl="2" indent="0">
+              <a:buNone/>
+            </a:pPr>
+            <a:r>
+              <a:rPr lang="en-US" dirty="0"/>
+              <a:t>    name,      </a:t>
+            </a:r>
+          </a:p>
+          <a:p>
+            <a:pPr marL="548640" lvl="2" indent="0">
+              <a:buNone/>
+            </a:pPr>
+            <a:r>
+              <a:rPr lang="en-US" dirty="0"/>
+              <a:t>    age,</a:t>
+            </a:r>
+          </a:p>
+          <a:p>
+            <a:pPr marL="548640" lvl="2" indent="0">
+              <a:buNone/>
+            </a:pPr>
+            <a:r>
+              <a:rPr lang="en-US" dirty="0"/>
+              <a:t>    location</a:t>
+            </a:r>
+          </a:p>
+          <a:p>
+            <a:pPr marL="548640" lvl="2" indent="0">
+              <a:buNone/>
+            </a:pPr>
+            <a:r>
+              <a:rPr lang="en-US" dirty="0"/>
+              <a:t>}</a:t>
+            </a:r>
+          </a:p>
+          <a:p>
+            <a:pPr marL="548640" lvl="2" indent="0">
+              <a:buNone/>
+            </a:pPr>
+            <a:r>
+              <a:rPr lang="en-US" dirty="0"/>
+              <a:t>console.log(user);	//{ name: 'Raj', age: 20, location: 'India' } </a:t>
+            </a:r>
           </a:p>
         </p:txBody>
       </p:sp>
@@ -3872,12 +4797,26 @@
             <p:ph type="title"/>
           </p:nvPr>
         </p:nvSpPr>
-        <p:spPr/>
-        <p:txBody>
-          <a:bodyPr/>
-          <a:lstStyle/>
-          <a:p>
-            <a:endParaRPr lang="en-IN"/>
+        <p:spPr>
+          <a:xfrm>
+            <a:off x="1143000" y="609600"/>
+            <a:ext cx="9875520" cy="568751"/>
+          </a:xfrm>
+        </p:spPr>
+        <p:txBody>
+          <a:bodyPr>
+            <a:normAutofit fontScale="90000"/>
+          </a:bodyPr>
+          <a:lstStyle/>
+          <a:p>
+            <a:r>
+              <a:rPr lang="en-IN" b="0" i="0" dirty="0">
+                <a:effectLst/>
+                <a:latin typeface="sofia-pro"/>
+              </a:rPr>
+              <a:t>Property Shorthand</a:t>
+            </a:r>
+            <a:endParaRPr lang="en-IN" dirty="0"/>
           </a:p>
         </p:txBody>
       </p:sp>
@@ -3897,12 +4836,140 @@
             <p:ph idx="1"/>
           </p:nvPr>
         </p:nvSpPr>
-        <p:spPr/>
-        <p:txBody>
-          <a:bodyPr/>
-          <a:lstStyle/>
-          <a:p>
-            <a:endParaRPr lang="en-IN"/>
+        <p:spPr>
+          <a:xfrm>
+            <a:off x="1143000" y="1366887"/>
+            <a:ext cx="9872871" cy="4729113"/>
+          </a:xfrm>
+        </p:spPr>
+        <p:txBody>
+          <a:bodyPr>
+            <a:normAutofit fontScale="85000" lnSpcReduction="20000"/>
+          </a:bodyPr>
+          <a:lstStyle/>
+          <a:p>
+            <a:r>
+              <a:rPr lang="en-US" dirty="0"/>
+              <a:t>Example: This example displaying the details of the object without using shorthand Syntax for object property value.</a:t>
+            </a:r>
+          </a:p>
+          <a:p>
+            <a:r>
+              <a:rPr lang="en-US" dirty="0"/>
+              <a:t>// Object property shorthand</a:t>
+            </a:r>
+          </a:p>
+          <a:p>
+            <a:pPr marL="548640" lvl="2" indent="0">
+              <a:buNone/>
+            </a:pPr>
+            <a:r>
+              <a:rPr lang="en-US" dirty="0"/>
+              <a:t>const name = 'Raj'</a:t>
+            </a:r>
+          </a:p>
+          <a:p>
+            <a:pPr marL="548640" lvl="2" indent="0">
+              <a:buNone/>
+            </a:pPr>
+            <a:r>
+              <a:rPr lang="en-US" dirty="0"/>
+              <a:t>const age = 20</a:t>
+            </a:r>
+          </a:p>
+          <a:p>
+            <a:pPr marL="548640" lvl="2" indent="0">
+              <a:buNone/>
+            </a:pPr>
+            <a:r>
+              <a:rPr lang="en-US" dirty="0"/>
+              <a:t>const location = 'India'</a:t>
+            </a:r>
+          </a:p>
+          <a:p>
+            <a:r>
+              <a:rPr lang="en-US" dirty="0"/>
+              <a:t>// User without ES6 </a:t>
+            </a:r>
+          </a:p>
+          <a:p>
+            <a:r>
+              <a:rPr lang="en-US" dirty="0"/>
+              <a:t>// shorthand property </a:t>
+            </a:r>
+          </a:p>
+          <a:p>
+            <a:pPr marL="548640" lvl="2" indent="0">
+              <a:buNone/>
+            </a:pPr>
+            <a:r>
+              <a:rPr lang="en-US" dirty="0"/>
+              <a:t>const user = {</a:t>
+            </a:r>
+          </a:p>
+          <a:p>
+            <a:pPr marL="548640" lvl="2" indent="0">
+              <a:buNone/>
+            </a:pPr>
+            <a:r>
+              <a:rPr lang="en-US" dirty="0"/>
+              <a:t>    name: name,      </a:t>
+            </a:r>
+          </a:p>
+          <a:p>
+            <a:pPr marL="548640" lvl="2" indent="0">
+              <a:buNone/>
+            </a:pPr>
+            <a:r>
+              <a:rPr lang="en-US" dirty="0"/>
+              <a:t>    age: age,</a:t>
+            </a:r>
+          </a:p>
+          <a:p>
+            <a:pPr marL="548640" lvl="2" indent="0">
+              <a:buNone/>
+            </a:pPr>
+            <a:r>
+              <a:rPr lang="en-US" dirty="0"/>
+              <a:t>    location: location</a:t>
+            </a:r>
+          </a:p>
+          <a:p>
+            <a:pPr marL="548640" lvl="2" indent="0">
+              <a:buNone/>
+            </a:pPr>
+            <a:r>
+              <a:rPr lang="en-US" dirty="0"/>
+              <a:t>}</a:t>
+            </a:r>
+          </a:p>
+          <a:p>
+            <a:pPr marL="548640" lvl="2" indent="0">
+              <a:buNone/>
+            </a:pPr>
+            <a:r>
+              <a:rPr lang="en-US" dirty="0"/>
+              <a:t>console.log(user) </a:t>
+            </a:r>
+          </a:p>
+          <a:p>
+            <a:endParaRPr lang="en-US" dirty="0"/>
+          </a:p>
+          <a:p>
+            <a:r>
+              <a:rPr lang="en-US" dirty="0"/>
+              <a:t>Output</a:t>
+            </a:r>
+          </a:p>
+          <a:p>
+            <a:pPr marL="548640" lvl="2" indent="0">
+              <a:buNone/>
+            </a:pPr>
+            <a:r>
+              <a:rPr lang="en-US" dirty="0"/>
+              <a:t>{ name: 'Raj', age: 20, location: 'India' }</a:t>
+            </a:r>
+            <a:endParaRPr lang="en-IN" dirty="0"/>
           </a:p>
         </p:txBody>
       </p:sp>
@@ -3952,12 +5019,26 @@
             <p:ph type="title"/>
           </p:nvPr>
         </p:nvSpPr>
-        <p:spPr/>
-        <p:txBody>
-          <a:bodyPr/>
-          <a:lstStyle/>
-          <a:p>
-            <a:endParaRPr lang="en-IN"/>
+        <p:spPr>
+          <a:xfrm>
+            <a:off x="1143000" y="609600"/>
+            <a:ext cx="9875520" cy="512190"/>
+          </a:xfrm>
+        </p:spPr>
+        <p:txBody>
+          <a:bodyPr>
+            <a:normAutofit fontScale="90000"/>
+          </a:bodyPr>
+          <a:lstStyle/>
+          <a:p>
+            <a:r>
+              <a:rPr lang="en-IN" b="0" i="0" dirty="0">
+                <a:effectLst/>
+                <a:latin typeface="sofia-pro"/>
+              </a:rPr>
+              <a:t>Object Properties and Functions</a:t>
+            </a:r>
+            <a:endParaRPr lang="en-IN" dirty="0"/>
           </a:p>
         </p:txBody>
       </p:sp>
@@ -3977,12 +5058,143 @@
             <p:ph idx="1"/>
           </p:nvPr>
         </p:nvSpPr>
-        <p:spPr/>
-        <p:txBody>
-          <a:bodyPr/>
-          <a:lstStyle/>
-          <a:p>
-            <a:endParaRPr lang="en-IN"/>
+        <p:spPr>
+          <a:xfrm>
+            <a:off x="1143000" y="1338606"/>
+            <a:ext cx="9872871" cy="4757394"/>
+          </a:xfrm>
+        </p:spPr>
+        <p:txBody>
+          <a:bodyPr>
+            <a:normAutofit fontScale="62500" lnSpcReduction="20000"/>
+          </a:bodyPr>
+          <a:lstStyle/>
+          <a:p>
+            <a:r>
+              <a:rPr lang="en-US" dirty="0"/>
+              <a:t>A object is generally a copy of a class according to the OOPS concepts, but we can simply create a object by using the assign operator and curly braces.</a:t>
+            </a:r>
+          </a:p>
+          <a:p>
+            <a:r>
+              <a:rPr lang="en-US" dirty="0"/>
+              <a:t>Example:</a:t>
+            </a:r>
+          </a:p>
+          <a:p>
+            <a:pPr marL="548640" lvl="2" indent="0">
+              <a:buNone/>
+            </a:pPr>
+            <a:r>
+              <a:rPr lang="en-US" dirty="0"/>
+              <a:t>Const Example = {}</a:t>
+            </a:r>
+          </a:p>
+          <a:p>
+            <a:r>
+              <a:rPr lang="en-US" dirty="0"/>
+              <a:t>This is an example where we are making an object named as Example.</a:t>
+            </a:r>
+          </a:p>
+          <a:p>
+            <a:r>
+              <a:rPr lang="en-US" dirty="0"/>
+              <a:t>In an object, we can define the key and values in the curly braces which can be accessed by using the dot operator.</a:t>
+            </a:r>
+          </a:p>
+          <a:p>
+            <a:r>
+              <a:rPr lang="en-US" dirty="0"/>
+              <a:t>Example:</a:t>
+            </a:r>
+          </a:p>
+          <a:p>
+            <a:pPr marL="548640" lvl="2" indent="0">
+              <a:buNone/>
+            </a:pPr>
+            <a:r>
+              <a:rPr lang="en-US" dirty="0"/>
+              <a:t>Const Example = {</a:t>
+            </a:r>
+          </a:p>
+          <a:p>
+            <a:pPr marL="548640" lvl="2" indent="0">
+              <a:buNone/>
+            </a:pPr>
+            <a:r>
+              <a:rPr lang="en-US" dirty="0"/>
+              <a:t>Name : “Anupam”</a:t>
+            </a:r>
+          </a:p>
+          <a:p>
+            <a:pPr marL="548640" lvl="2" indent="0">
+              <a:buNone/>
+            </a:pPr>
+            <a:r>
+              <a:rPr lang="en-US" dirty="0"/>
+              <a:t>Roll : “23”</a:t>
+            </a:r>
+          </a:p>
+          <a:p>
+            <a:pPr marL="548640" lvl="2" indent="0">
+              <a:buNone/>
+            </a:pPr>
+            <a:r>
+              <a:rPr lang="en-US" dirty="0"/>
+              <a:t>}</a:t>
+            </a:r>
+          </a:p>
+          <a:p>
+            <a:r>
+              <a:rPr lang="en-US" dirty="0"/>
+              <a:t>In this above example, the name or roll is counted as the keys of the example object and the values such as Anupam or 23 is counted as values of the particular key.</a:t>
+            </a:r>
+          </a:p>
+          <a:p>
+            <a:r>
+              <a:rPr lang="en-US" dirty="0"/>
+              <a:t>In JS, we can access these values by two methods:</a:t>
+            </a:r>
+          </a:p>
+          <a:p>
+            <a:pPr lvl="1"/>
+            <a:r>
+              <a:rPr lang="en-US" dirty="0" err="1"/>
+              <a:t>Example.Name</a:t>
+            </a:r>
+            <a:r>
+              <a:rPr lang="en-US" dirty="0"/>
+              <a:t> </a:t>
+            </a:r>
+          </a:p>
+          <a:p>
+            <a:pPr lvl="1"/>
+            <a:r>
+              <a:rPr lang="en-US" dirty="0"/>
+              <a:t>OR</a:t>
+            </a:r>
+          </a:p>
+          <a:p>
+            <a:pPr lvl="1"/>
+            <a:r>
+              <a:rPr lang="en-US" dirty="0"/>
+              <a:t>Example[“Name”]</a:t>
+            </a:r>
+          </a:p>
+          <a:p>
+            <a:r>
+              <a:rPr lang="en-US" dirty="0"/>
+              <a:t>Both the methods will work same but suppose if we have a key as “is Admin” which is counted as a string then it will </a:t>
+            </a:r>
+            <a:r>
+              <a:rPr lang="en-US" dirty="0" err="1"/>
+              <a:t>nt</a:t>
+            </a:r>
+            <a:r>
+              <a:rPr lang="en-US" dirty="0"/>
+              <a:t> be accessed by first method and the second method would be useful.</a:t>
+            </a:r>
+            <a:endParaRPr lang="en-IN" dirty="0"/>
           </a:p>
         </p:txBody>
       </p:sp>
@@ -4032,12 +5244,26 @@
             <p:ph type="title"/>
           </p:nvPr>
         </p:nvSpPr>
-        <p:spPr/>
-        <p:txBody>
-          <a:bodyPr/>
-          <a:lstStyle/>
-          <a:p>
-            <a:endParaRPr lang="en-IN"/>
+        <p:spPr>
+          <a:xfrm>
+            <a:off x="1143000" y="609600"/>
+            <a:ext cx="9875520" cy="625311"/>
+          </a:xfrm>
+        </p:spPr>
+        <p:txBody>
+          <a:bodyPr>
+            <a:normAutofit fontScale="90000"/>
+          </a:bodyPr>
+          <a:lstStyle/>
+          <a:p>
+            <a:r>
+              <a:rPr lang="en-IN" b="0" i="0" dirty="0">
+                <a:effectLst/>
+                <a:latin typeface="sofia-pro"/>
+              </a:rPr>
+              <a:t>Object Properties and Functions</a:t>
+            </a:r>
+            <a:endParaRPr lang="en-IN" dirty="0"/>
           </a:p>
         </p:txBody>
       </p:sp>
@@ -4057,12 +5283,199 @@
             <p:ph idx="1"/>
           </p:nvPr>
         </p:nvSpPr>
-        <p:spPr/>
-        <p:txBody>
-          <a:bodyPr/>
-          <a:lstStyle/>
-          <a:p>
-            <a:endParaRPr lang="en-IN"/>
+        <p:spPr>
+          <a:xfrm>
+            <a:off x="1143000" y="1234911"/>
+            <a:ext cx="9872871" cy="5013489"/>
+          </a:xfrm>
+        </p:spPr>
+        <p:txBody>
+          <a:bodyPr>
+            <a:normAutofit fontScale="70000" lnSpcReduction="20000"/>
+          </a:bodyPr>
+          <a:lstStyle/>
+          <a:p>
+            <a:r>
+              <a:rPr lang="en-US" dirty="0"/>
+              <a:t>Functions as property:</a:t>
+            </a:r>
+          </a:p>
+          <a:p>
+            <a:r>
+              <a:rPr lang="en-US" dirty="0"/>
+              <a:t>The functions can also be passed as the property in an object, just like the same way we create the anonymous functions and the normal functions in </a:t>
+            </a:r>
+            <a:r>
+              <a:rPr lang="en-US" dirty="0" err="1"/>
+              <a:t>javascript</a:t>
+            </a:r>
+            <a:r>
+              <a:rPr lang="en-US" dirty="0"/>
+              <a:t>.</a:t>
+            </a:r>
+          </a:p>
+          <a:p>
+            <a:r>
+              <a:rPr lang="en-US" dirty="0"/>
+              <a:t>Example: </a:t>
+            </a:r>
+          </a:p>
+          <a:p>
+            <a:pPr marL="548640" lvl="2" indent="0">
+              <a:buNone/>
+            </a:pPr>
+            <a:r>
+              <a:rPr lang="en-US" dirty="0"/>
+              <a:t>Const Example={</a:t>
+            </a:r>
+          </a:p>
+          <a:p>
+            <a:pPr marL="548640" lvl="2" indent="0">
+              <a:buNone/>
+            </a:pPr>
+            <a:r>
+              <a:rPr lang="en-US" dirty="0"/>
+              <a:t>Name : “</a:t>
+            </a:r>
+            <a:r>
+              <a:rPr lang="en-US" dirty="0" err="1"/>
+              <a:t>anupam</a:t>
+            </a:r>
+            <a:r>
+              <a:rPr lang="en-US" dirty="0"/>
+              <a:t>”</a:t>
+            </a:r>
+          </a:p>
+          <a:p>
+            <a:pPr marL="548640" lvl="2" indent="0">
+              <a:buNone/>
+            </a:pPr>
+            <a:r>
+              <a:rPr lang="en-US" dirty="0" err="1"/>
+              <a:t>Func</a:t>
+            </a:r>
+            <a:r>
+              <a:rPr lang="en-US" dirty="0"/>
+              <a:t> = function(){</a:t>
+            </a:r>
+          </a:p>
+          <a:p>
+            <a:pPr marL="548640" lvl="2" indent="0">
+              <a:buNone/>
+            </a:pPr>
+            <a:r>
+              <a:rPr lang="en-US" dirty="0"/>
+              <a:t>console.log(hello);</a:t>
+            </a:r>
+          </a:p>
+          <a:p>
+            <a:pPr marL="548640" lvl="2" indent="0">
+              <a:buNone/>
+            </a:pPr>
+            <a:r>
+              <a:rPr lang="en-US" dirty="0"/>
+              <a:t>}</a:t>
+            </a:r>
+          </a:p>
+          <a:p>
+            <a:pPr marL="548640" lvl="2" indent="0">
+              <a:buNone/>
+            </a:pPr>
+            <a:r>
+              <a:rPr lang="en-US" dirty="0"/>
+              <a:t>second(){</a:t>
+            </a:r>
+          </a:p>
+          <a:p>
+            <a:pPr marL="548640" lvl="2" indent="0">
+              <a:buNone/>
+            </a:pPr>
+            <a:r>
+              <a:rPr lang="en-US" dirty="0"/>
+              <a:t>console.log(</a:t>
+            </a:r>
+            <a:r>
+              <a:rPr lang="en-US" dirty="0" err="1"/>
+              <a:t>GeeksForGeeks</a:t>
+            </a:r>
+            <a:r>
+              <a:rPr lang="en-US" dirty="0"/>
+              <a:t>);</a:t>
+            </a:r>
+          </a:p>
+          <a:p>
+            <a:pPr marL="548640" lvl="2" indent="0">
+              <a:buNone/>
+            </a:pPr>
+            <a:r>
+              <a:rPr lang="en-US" dirty="0"/>
+              <a:t>}</a:t>
+            </a:r>
+          </a:p>
+          <a:p>
+            <a:pPr marL="548640" lvl="2" indent="0">
+              <a:buNone/>
+            </a:pPr>
+            <a:r>
+              <a:rPr lang="en-US" dirty="0"/>
+              <a:t>}</a:t>
+            </a:r>
+          </a:p>
+          <a:p>
+            <a:r>
+              <a:rPr lang="en-US" dirty="0"/>
+              <a:t>In this above example, we can notice that the functions are defined in the object are of two types ,In anonymous function we are defining the function key as </a:t>
+            </a:r>
+            <a:r>
+              <a:rPr lang="en-US" dirty="0" err="1"/>
+              <a:t>Func</a:t>
+            </a:r>
+            <a:r>
+              <a:rPr lang="en-US" dirty="0"/>
+              <a:t> but in the normal function the key will automatically be taken as the second.</a:t>
+            </a:r>
+          </a:p>
+          <a:p>
+            <a:r>
+              <a:rPr lang="en-US" dirty="0"/>
+              <a:t>For accessing the functions, we can write </a:t>
+            </a:r>
+          </a:p>
+          <a:p>
+            <a:pPr lvl="1"/>
+            <a:r>
+              <a:rPr lang="en-US" dirty="0" err="1"/>
+              <a:t>Example.Func</a:t>
+            </a:r>
+            <a:r>
+              <a:rPr lang="en-US" dirty="0"/>
+              <a:t>()</a:t>
+            </a:r>
+          </a:p>
+          <a:p>
+            <a:pPr lvl="1"/>
+            <a:r>
+              <a:rPr lang="en-US" dirty="0"/>
+              <a:t>Or</a:t>
+            </a:r>
+          </a:p>
+          <a:p>
+            <a:pPr lvl="1"/>
+            <a:r>
+              <a:rPr lang="en-US" dirty="0" err="1"/>
+              <a:t>Example.second</a:t>
+            </a:r>
+            <a:r>
+              <a:rPr lang="en-US" dirty="0"/>
+              <a:t>()</a:t>
+            </a:r>
+          </a:p>
+          <a:p>
+            <a:r>
+              <a:rPr lang="en-US" dirty="0"/>
+              <a:t>This Dot operator would help in calling the function very easily</a:t>
+            </a:r>
+            <a:endParaRPr lang="en-IN" dirty="0"/>
           </a:p>
         </p:txBody>
       </p:sp>
@@ -4112,12 +5525,26 @@
             <p:ph type="title"/>
           </p:nvPr>
         </p:nvSpPr>
-        <p:spPr/>
-        <p:txBody>
-          <a:bodyPr/>
-          <a:lstStyle/>
-          <a:p>
-            <a:endParaRPr lang="en-IN"/>
+        <p:spPr>
+          <a:xfrm>
+            <a:off x="1143000" y="609600"/>
+            <a:ext cx="9875520" cy="578177"/>
+          </a:xfrm>
+        </p:spPr>
+        <p:txBody>
+          <a:bodyPr>
+            <a:normAutofit fontScale="90000"/>
+          </a:bodyPr>
+          <a:lstStyle/>
+          <a:p>
+            <a:r>
+              <a:rPr lang="en-IN" b="0" i="0" dirty="0">
+                <a:effectLst/>
+                <a:latin typeface="sofia-pro"/>
+              </a:rPr>
+              <a:t>Computed Properties</a:t>
+            </a:r>
+            <a:endParaRPr lang="en-IN" dirty="0"/>
           </a:p>
         </p:txBody>
       </p:sp>
@@ -4137,12 +5564,181 @@
             <p:ph idx="1"/>
           </p:nvPr>
         </p:nvSpPr>
-        <p:spPr/>
-        <p:txBody>
-          <a:bodyPr/>
-          <a:lstStyle/>
-          <a:p>
-            <a:endParaRPr lang="en-IN"/>
+        <p:spPr>
+          <a:xfrm>
+            <a:off x="1143000" y="1187777"/>
+            <a:ext cx="9872871" cy="4908223"/>
+          </a:xfrm>
+        </p:spPr>
+        <p:txBody>
+          <a:bodyPr>
+            <a:normAutofit/>
+          </a:bodyPr>
+          <a:lstStyle/>
+          <a:p>
+            <a:r>
+              <a:rPr lang="en-US" sz="2000" dirty="0"/>
+              <a:t>Javascript Object:  Javascript objects contain key-value pairs in which the key represents a property from which we can get and set the value of the object. Now we will see how to declare an object with a computed property name. </a:t>
+            </a:r>
+          </a:p>
+          <a:p>
+            <a:r>
+              <a:rPr lang="en-US" sz="2000" dirty="0"/>
+              <a:t>Method 1:  We will use the expression within the [ ] (square bracket) to create the name of an object property. In ES6, it is possible to use an expression within brackets ‘[ ]’. Depending on the result of the expression, a property name will be assigned to an object. </a:t>
+            </a:r>
+          </a:p>
+          <a:p>
+            <a:pPr marL="548640" lvl="2" indent="0">
+              <a:buNone/>
+            </a:pPr>
+            <a:r>
+              <a:rPr lang="en-US" sz="1600" dirty="0"/>
+              <a:t>let LAST_NAME = "</a:t>
+            </a:r>
+            <a:r>
+              <a:rPr lang="en-US" sz="1600" dirty="0" err="1"/>
+              <a:t>lastname</a:t>
+            </a:r>
+            <a:r>
+              <a:rPr lang="en-US" sz="1600" dirty="0"/>
+              <a:t>";</a:t>
+            </a:r>
+          </a:p>
+          <a:p>
+            <a:pPr marL="548640" lvl="2" indent="0">
+              <a:buNone/>
+            </a:pPr>
+            <a:r>
+              <a:rPr lang="en-US" sz="1600" dirty="0"/>
+              <a:t>let </a:t>
+            </a:r>
+            <a:r>
+              <a:rPr lang="en-US" sz="1600" dirty="0" err="1"/>
+              <a:t>fullname</a:t>
+            </a:r>
+            <a:r>
+              <a:rPr lang="en-US" sz="1600" dirty="0"/>
+              <a:t> = {</a:t>
+            </a:r>
+          </a:p>
+          <a:p>
+            <a:pPr marL="548640" lvl="2" indent="0">
+              <a:buNone/>
+            </a:pPr>
+            <a:r>
+              <a:rPr lang="en-US" sz="1600" dirty="0" err="1"/>
+              <a:t>firstname</a:t>
+            </a:r>
+            <a:r>
+              <a:rPr lang="en-US" sz="1600" dirty="0"/>
+              <a:t>: "</a:t>
+            </a:r>
+            <a:r>
+              <a:rPr lang="en-US" sz="1600" dirty="0" err="1"/>
+              <a:t>somya</a:t>
+            </a:r>
+            <a:r>
+              <a:rPr lang="en-US" sz="1600" dirty="0"/>
+              <a:t>",</a:t>
+            </a:r>
+          </a:p>
+          <a:p>
+            <a:pPr marL="548640" lvl="2" indent="0">
+              <a:buNone/>
+            </a:pPr>
+            <a:r>
+              <a:rPr lang="en-US" sz="1600" dirty="0"/>
+              <a:t>[LAST_NAME]: "</a:t>
+            </a:r>
+            <a:r>
+              <a:rPr lang="en-US" sz="1600" dirty="0" err="1"/>
+              <a:t>jain</a:t>
+            </a:r>
+            <a:r>
+              <a:rPr lang="en-US" sz="1600" dirty="0"/>
+              <a:t>"</a:t>
+            </a:r>
+          </a:p>
+          <a:p>
+            <a:pPr marL="548640" lvl="2" indent="0">
+              <a:buNone/>
+            </a:pPr>
+            <a:r>
+              <a:rPr lang="en-US" sz="1600" dirty="0"/>
+              <a:t>};</a:t>
+            </a:r>
+          </a:p>
+          <a:p>
+            <a:pPr marL="548640" lvl="2" indent="0">
+              <a:buNone/>
+            </a:pPr>
+            <a:r>
+              <a:rPr lang="en-US" sz="1600" dirty="0"/>
+              <a:t>console.log("My </a:t>
+            </a:r>
+            <a:r>
+              <a:rPr lang="en-US" sz="1600" dirty="0" err="1"/>
+              <a:t>fullname</a:t>
+            </a:r>
+            <a:r>
+              <a:rPr lang="en-US" sz="1600" dirty="0"/>
+              <a:t> is: " + </a:t>
+            </a:r>
+            <a:r>
+              <a:rPr lang="en-US" sz="1600" dirty="0" err="1"/>
+              <a:t>fullname.firstname</a:t>
+            </a:r>
+            <a:r>
+              <a:rPr lang="en-US" sz="1600" dirty="0"/>
+              <a:t>+ " " + </a:t>
+            </a:r>
+            <a:r>
+              <a:rPr lang="en-US" sz="1600" dirty="0" err="1"/>
+              <a:t>fullname.lastname</a:t>
+            </a:r>
+            <a:r>
+              <a:rPr lang="en-US" sz="1600" dirty="0"/>
+              <a:t>);</a:t>
+            </a:r>
+          </a:p>
+          <a:p>
+            <a:endParaRPr lang="en-US" sz="2000" dirty="0"/>
+          </a:p>
+          <a:p>
+            <a:r>
+              <a:rPr lang="en-US" sz="2000" dirty="0"/>
+              <a:t>Output</a:t>
+            </a:r>
+          </a:p>
+          <a:p>
+            <a:pPr marL="548640" lvl="2" indent="0">
+              <a:buNone/>
+            </a:pPr>
+            <a:r>
+              <a:rPr lang="en-US" sz="1600" dirty="0"/>
+              <a:t>My </a:t>
+            </a:r>
+            <a:r>
+              <a:rPr lang="en-US" sz="1600" dirty="0" err="1"/>
+              <a:t>fullname</a:t>
+            </a:r>
+            <a:r>
+              <a:rPr lang="en-US" sz="1600" dirty="0"/>
+              <a:t> is: </a:t>
+            </a:r>
+            <a:r>
+              <a:rPr lang="en-US" sz="1600" dirty="0" err="1"/>
+              <a:t>somya</a:t>
+            </a:r>
+            <a:r>
+              <a:rPr lang="en-US" sz="1600" dirty="0"/>
+              <a:t> </a:t>
+            </a:r>
+            <a:r>
+              <a:rPr lang="en-US" sz="1600" dirty="0" err="1"/>
+              <a:t>jain</a:t>
+            </a:r>
+            <a:endParaRPr lang="en-IN" sz="1600" dirty="0"/>
           </a:p>
         </p:txBody>
       </p:sp>
@@ -4192,12 +5788,26 @@
             <p:ph type="title"/>
           </p:nvPr>
         </p:nvSpPr>
-        <p:spPr/>
-        <p:txBody>
-          <a:bodyPr/>
-          <a:lstStyle/>
-          <a:p>
-            <a:endParaRPr lang="en-IN"/>
+        <p:spPr>
+          <a:xfrm>
+            <a:off x="1143000" y="609600"/>
+            <a:ext cx="9875520" cy="483909"/>
+          </a:xfrm>
+        </p:spPr>
+        <p:txBody>
+          <a:bodyPr>
+            <a:normAutofit fontScale="90000"/>
+          </a:bodyPr>
+          <a:lstStyle/>
+          <a:p>
+            <a:r>
+              <a:rPr lang="en-IN" b="0" i="0" dirty="0">
+                <a:effectLst/>
+                <a:latin typeface="sofia-pro"/>
+              </a:rPr>
+              <a:t>Computed Properties</a:t>
+            </a:r>
+            <a:endParaRPr lang="en-IN" dirty="0"/>
           </a:p>
         </p:txBody>
       </p:sp>
@@ -4217,12 +5827,209 @@
             <p:ph idx="1"/>
           </p:nvPr>
         </p:nvSpPr>
-        <p:spPr/>
-        <p:txBody>
-          <a:bodyPr/>
-          <a:lstStyle/>
-          <a:p>
-            <a:endParaRPr lang="en-IN"/>
+        <p:spPr>
+          <a:xfrm>
+            <a:off x="1143000" y="1272619"/>
+            <a:ext cx="9872871" cy="4823381"/>
+          </a:xfrm>
+        </p:spPr>
+        <p:txBody>
+          <a:bodyPr>
+            <a:normAutofit lnSpcReduction="10000"/>
+          </a:bodyPr>
+          <a:lstStyle/>
+          <a:p>
+            <a:r>
+              <a:rPr lang="en-US" dirty="0"/>
+              <a:t>Method 2:  In this method, We will create the property name of an object dynamically. As part of this method, we will dynamically create an object and add a property name and assign a value to that specific property in order to create a customized key-value pair.  </a:t>
+            </a:r>
+          </a:p>
+          <a:p>
+            <a:r>
+              <a:rPr lang="en-US" dirty="0"/>
+              <a:t>Syntax:</a:t>
+            </a:r>
+          </a:p>
+          <a:p>
+            <a:pPr marL="274320" lvl="1" indent="0">
+              <a:buNone/>
+            </a:pPr>
+            <a:r>
+              <a:rPr lang="en-US" dirty="0" err="1"/>
+              <a:t>objectname</a:t>
+            </a:r>
+            <a:r>
+              <a:rPr lang="en-US" dirty="0"/>
+              <a:t>["name of the property name"]=value</a:t>
+            </a:r>
+          </a:p>
+          <a:p>
+            <a:pPr marL="274320" lvl="1" indent="0">
+              <a:buNone/>
+            </a:pPr>
+            <a:endParaRPr lang="en-US" dirty="0"/>
+          </a:p>
+          <a:p>
+            <a:pPr marL="548640" lvl="2" indent="0">
+              <a:buNone/>
+            </a:pPr>
+            <a:r>
+              <a:rPr lang="en-US" dirty="0"/>
+              <a:t>let LAST_NAME = "</a:t>
+            </a:r>
+            <a:r>
+              <a:rPr lang="en-US" dirty="0" err="1"/>
+              <a:t>lastname</a:t>
+            </a:r>
+            <a:r>
+              <a:rPr lang="en-US" dirty="0"/>
+              <a:t>";</a:t>
+            </a:r>
+          </a:p>
+          <a:p>
+            <a:pPr marL="548640" lvl="2" indent="0">
+              <a:buNone/>
+            </a:pPr>
+            <a:r>
+              <a:rPr lang="en-US" dirty="0"/>
+              <a:t>    let </a:t>
+            </a:r>
+            <a:r>
+              <a:rPr lang="en-US" dirty="0" err="1"/>
+              <a:t>fullname</a:t>
+            </a:r>
+            <a:r>
+              <a:rPr lang="en-US" dirty="0"/>
+              <a:t> = {</a:t>
+            </a:r>
+          </a:p>
+          <a:p>
+            <a:pPr marL="548640" lvl="2" indent="0">
+              <a:buNone/>
+            </a:pPr>
+            <a:r>
+              <a:rPr lang="en-US" dirty="0"/>
+              <a:t>        </a:t>
+            </a:r>
+            <a:r>
+              <a:rPr lang="en-US" dirty="0" err="1"/>
+              <a:t>firstname</a:t>
+            </a:r>
+            <a:r>
+              <a:rPr lang="en-US" dirty="0"/>
+              <a:t>: "</a:t>
+            </a:r>
+            <a:r>
+              <a:rPr lang="en-US" dirty="0" err="1"/>
+              <a:t>somya</a:t>
+            </a:r>
+            <a:r>
+              <a:rPr lang="en-US" dirty="0"/>
+              <a:t>"</a:t>
+            </a:r>
+          </a:p>
+          <a:p>
+            <a:pPr marL="548640" lvl="2" indent="0">
+              <a:buNone/>
+            </a:pPr>
+            <a:r>
+              <a:rPr lang="en-US" dirty="0"/>
+              <a:t>    };</a:t>
+            </a:r>
+          </a:p>
+          <a:p>
+            <a:pPr marL="548640" lvl="2" indent="0">
+              <a:buNone/>
+            </a:pPr>
+            <a:r>
+              <a:rPr lang="en-US" dirty="0"/>
+              <a:t>    </a:t>
+            </a:r>
+            <a:r>
+              <a:rPr lang="en-US" dirty="0" err="1"/>
+              <a:t>fullname</a:t>
+            </a:r>
+            <a:r>
+              <a:rPr lang="en-US" dirty="0"/>
+              <a:t>[LAST_NAME] = "</a:t>
+            </a:r>
+            <a:r>
+              <a:rPr lang="en-US" dirty="0" err="1"/>
+              <a:t>jain</a:t>
+            </a:r>
+            <a:r>
+              <a:rPr lang="en-US" dirty="0"/>
+              <a:t>";</a:t>
+            </a:r>
+          </a:p>
+          <a:p>
+            <a:pPr marL="548640" lvl="2" indent="0">
+              <a:buNone/>
+            </a:pPr>
+            <a:r>
+              <a:rPr lang="en-US" dirty="0"/>
+              <a:t>    console.log("My </a:t>
+            </a:r>
+            <a:r>
+              <a:rPr lang="en-US" dirty="0" err="1"/>
+              <a:t>fullname</a:t>
+            </a:r>
+            <a:r>
+              <a:rPr lang="en-US" dirty="0"/>
+              <a:t> is: " + </a:t>
+            </a:r>
+            <a:r>
+              <a:rPr lang="en-US" dirty="0" err="1"/>
+              <a:t>fullname.firstname</a:t>
+            </a:r>
+            <a:r>
+              <a:rPr lang="en-US" dirty="0"/>
+              <a:t>+ " " + </a:t>
+            </a:r>
+            <a:r>
+              <a:rPr lang="en-US" dirty="0" err="1"/>
+              <a:t>fullname.lastname</a:t>
+            </a:r>
+            <a:r>
+              <a:rPr lang="en-US" dirty="0"/>
+              <a:t>);</a:t>
+            </a:r>
+          </a:p>
+          <a:p>
+            <a:r>
+              <a:rPr lang="en-US" dirty="0"/>
+              <a:t>Output</a:t>
+            </a:r>
+          </a:p>
+          <a:p>
+            <a:pPr marL="548640" lvl="2" indent="0">
+              <a:buNone/>
+            </a:pPr>
+            <a:r>
+              <a:rPr lang="en-US" dirty="0"/>
+              <a:t>My </a:t>
+            </a:r>
+            <a:r>
+              <a:rPr lang="en-US" dirty="0" err="1"/>
+              <a:t>fullname</a:t>
+            </a:r>
+            <a:r>
+              <a:rPr lang="en-US" dirty="0"/>
+              <a:t> is: </a:t>
+            </a:r>
+            <a:r>
+              <a:rPr lang="en-US" dirty="0" err="1"/>
+              <a:t>somya</a:t>
+            </a:r>
+            <a:r>
+              <a:rPr lang="en-US" dirty="0"/>
+              <a:t> </a:t>
+            </a:r>
+            <a:r>
+              <a:rPr lang="en-US" dirty="0" err="1"/>
+              <a:t>jain</a:t>
+            </a:r>
+            <a:endParaRPr lang="en-IN" dirty="0"/>
           </a:p>
         </p:txBody>
       </p:sp>

--- a/GFG JS Course Curriculam/Articles/006 Objects.pptx
+++ b/GFG JS Course Curriculam/Articles/006 Objects.pptx
@@ -15131,4 +15131,238 @@
     </a:ext>
   </a:extLst>
 </a:theme>
+</file>
+
+<file path=customXml/item1.xml><?xml version="1.0" encoding="utf-8"?>
+<ct:contentTypeSchema xmlns:ct="http://schemas.microsoft.com/office/2006/metadata/contentType" xmlns:ma="http://schemas.microsoft.com/office/2006/metadata/properties/metaAttributes" ct:_="" ma:_="" ma:contentTypeName="Document" ma:contentTypeID="0x01010025EC667E64F3664AA9FF84395B73BBB2" ma:contentTypeVersion="12" ma:contentTypeDescription="Create a new document." ma:contentTypeScope="" ma:versionID="6b12c4ceb98f90cef75c2b4a7241f9ea">
+  <xsd:schema xmlns:xsd="http://www.w3.org/2001/XMLSchema" xmlns:xs="http://www.w3.org/2001/XMLSchema" xmlns:p="http://schemas.microsoft.com/office/2006/metadata/properties" xmlns:ns2="11dab2fc-a00f-488b-a519-3911044eea4e" xmlns:ns3="202a9836-ee93-41fb-ba3c-167105785a0d" targetNamespace="http://schemas.microsoft.com/office/2006/metadata/properties" ma:root="true" ma:fieldsID="c1df371a784d1a7c3bc1d50e69810467" ns2:_="" ns3:_="">
+    <xsd:import namespace="11dab2fc-a00f-488b-a519-3911044eea4e"/>
+    <xsd:import namespace="202a9836-ee93-41fb-ba3c-167105785a0d"/>
+    <xsd:element name="properties">
+      <xsd:complexType>
+        <xsd:sequence>
+          <xsd:element name="documentManagement">
+            <xsd:complexType>
+              <xsd:all>
+                <xsd:element ref="ns2:MediaServiceMetadata" minOccurs="0"/>
+                <xsd:element ref="ns2:MediaServiceFastMetadata" minOccurs="0"/>
+                <xsd:element ref="ns2:lcf76f155ced4ddcb4097134ff3c332f" minOccurs="0"/>
+                <xsd:element ref="ns3:TaxCatchAll" minOccurs="0"/>
+                <xsd:element ref="ns2:MediaServiceDateTaken" minOccurs="0"/>
+                <xsd:element ref="ns2:MediaServiceOCR" minOccurs="0"/>
+                <xsd:element ref="ns2:MediaServiceGenerationTime" minOccurs="0"/>
+                <xsd:element ref="ns2:MediaServiceEventHashCode" minOccurs="0"/>
+                <xsd:element ref="ns3:SharedWithUsers" minOccurs="0"/>
+                <xsd:element ref="ns3:SharedWithDetails" minOccurs="0"/>
+                <xsd:element ref="ns2:MediaLengthInSeconds" minOccurs="0"/>
+              </xsd:all>
+            </xsd:complexType>
+          </xsd:element>
+        </xsd:sequence>
+      </xsd:complexType>
+    </xsd:element>
+  </xsd:schema>
+  <xsd:schema xmlns:xsd="http://www.w3.org/2001/XMLSchema" xmlns:xs="http://www.w3.org/2001/XMLSchema" xmlns:dms="http://schemas.microsoft.com/office/2006/documentManagement/types" xmlns:pc="http://schemas.microsoft.com/office/infopath/2007/PartnerControls" targetNamespace="11dab2fc-a00f-488b-a519-3911044eea4e" elementFormDefault="qualified">
+    <xsd:import namespace="http://schemas.microsoft.com/office/2006/documentManagement/types"/>
+    <xsd:import namespace="http://schemas.microsoft.com/office/infopath/2007/PartnerControls"/>
+    <xsd:element name="MediaServiceMetadata" ma:index="8" nillable="true" ma:displayName="MediaServiceMetadata" ma:hidden="true" ma:internalName="MediaServiceMetadata" ma:readOnly="true">
+      <xsd:simpleType>
+        <xsd:restriction base="dms:Note"/>
+      </xsd:simpleType>
+    </xsd:element>
+    <xsd:element name="MediaServiceFastMetadata" ma:index="9" nillable="true" ma:displayName="MediaServiceFastMetadata" ma:hidden="true" ma:internalName="MediaServiceFastMetadata" ma:readOnly="true">
+      <xsd:simpleType>
+        <xsd:restriction base="dms:Note"/>
+      </xsd:simpleType>
+    </xsd:element>
+    <xsd:element name="lcf76f155ced4ddcb4097134ff3c332f" ma:index="11" nillable="true" ma:taxonomy="true" ma:internalName="lcf76f155ced4ddcb4097134ff3c332f" ma:taxonomyFieldName="MediaServiceImageTags" ma:displayName="Image Tags" ma:readOnly="false" ma:fieldId="{5cf76f15-5ced-4ddc-b409-7134ff3c332f}" ma:taxonomyMulti="true" ma:sspId="6d165d17-9b79-46c3-82b9-c927e733c429" ma:termSetId="09814cd3-568e-fe90-9814-8d621ff8fb84" ma:anchorId="fba54fb3-c3e1-fe81-a776-ca4b69148c4d" ma:open="true" ma:isKeyword="false">
+      <xsd:complexType>
+        <xsd:sequence>
+          <xsd:element ref="pc:Terms" minOccurs="0" maxOccurs="1"/>
+        </xsd:sequence>
+      </xsd:complexType>
+    </xsd:element>
+    <xsd:element name="MediaServiceDateTaken" ma:index="13" nillable="true" ma:displayName="MediaServiceDateTaken" ma:hidden="true" ma:internalName="MediaServiceDateTaken" ma:readOnly="true">
+      <xsd:simpleType>
+        <xsd:restriction base="dms:Text"/>
+      </xsd:simpleType>
+    </xsd:element>
+    <xsd:element name="MediaServiceOCR" ma:index="14" nillable="true" ma:displayName="Extracted Text" ma:internalName="MediaServiceOCR" ma:readOnly="true">
+      <xsd:simpleType>
+        <xsd:restriction base="dms:Note">
+          <xsd:maxLength value="255"/>
+        </xsd:restriction>
+      </xsd:simpleType>
+    </xsd:element>
+    <xsd:element name="MediaServiceGenerationTime" ma:index="15" nillable="true" ma:displayName="MediaServiceGenerationTime" ma:hidden="true" ma:internalName="MediaServiceGenerationTime" ma:readOnly="true">
+      <xsd:simpleType>
+        <xsd:restriction base="dms:Text"/>
+      </xsd:simpleType>
+    </xsd:element>
+    <xsd:element name="MediaServiceEventHashCode" ma:index="16" nillable="true" ma:displayName="MediaServiceEventHashCode" ma:hidden="true" ma:internalName="MediaServiceEventHashCode" ma:readOnly="true">
+      <xsd:simpleType>
+        <xsd:restriction base="dms:Text"/>
+      </xsd:simpleType>
+    </xsd:element>
+    <xsd:element name="MediaLengthInSeconds" ma:index="19" nillable="true" ma:displayName="MediaLengthInSeconds" ma:hidden="true" ma:internalName="MediaLengthInSeconds" ma:readOnly="true">
+      <xsd:simpleType>
+        <xsd:restriction base="dms:Unknown"/>
+      </xsd:simpleType>
+    </xsd:element>
+  </xsd:schema>
+  <xsd:schema xmlns:xsd="http://www.w3.org/2001/XMLSchema" xmlns:xs="http://www.w3.org/2001/XMLSchema" xmlns:dms="http://schemas.microsoft.com/office/2006/documentManagement/types" xmlns:pc="http://schemas.microsoft.com/office/infopath/2007/PartnerControls" targetNamespace="202a9836-ee93-41fb-ba3c-167105785a0d" elementFormDefault="qualified">
+    <xsd:import namespace="http://schemas.microsoft.com/office/2006/documentManagement/types"/>
+    <xsd:import namespace="http://schemas.microsoft.com/office/infopath/2007/PartnerControls"/>
+    <xsd:element name="TaxCatchAll" ma:index="12" nillable="true" ma:displayName="Taxonomy Catch All Column" ma:hidden="true" ma:list="{15756505-aa7f-4bcc-8574-ad9a60508018}" ma:internalName="TaxCatchAll" ma:showField="CatchAllData" ma:web="202a9836-ee93-41fb-ba3c-167105785a0d">
+      <xsd:complexType>
+        <xsd:complexContent>
+          <xsd:extension base="dms:MultiChoiceLookup">
+            <xsd:sequence>
+              <xsd:element name="Value" type="dms:Lookup" maxOccurs="unbounded" minOccurs="0" nillable="true"/>
+            </xsd:sequence>
+          </xsd:extension>
+        </xsd:complexContent>
+      </xsd:complexType>
+    </xsd:element>
+    <xsd:element name="SharedWithUsers" ma:index="17" nillable="true" ma:displayName="Shared With" ma:internalName="SharedWithUsers" ma:readOnly="true">
+      <xsd:complexType>
+        <xsd:complexContent>
+          <xsd:extension base="dms:UserMulti">
+            <xsd:sequence>
+              <xsd:element name="UserInfo" minOccurs="0" maxOccurs="unbounded">
+                <xsd:complexType>
+                  <xsd:sequence>
+                    <xsd:element name="DisplayName" type="xsd:string" minOccurs="0"/>
+                    <xsd:element name="AccountId" type="dms:UserId" minOccurs="0" nillable="true"/>
+                    <xsd:element name="AccountType" type="xsd:string" minOccurs="0"/>
+                  </xsd:sequence>
+                </xsd:complexType>
+              </xsd:element>
+            </xsd:sequence>
+          </xsd:extension>
+        </xsd:complexContent>
+      </xsd:complexType>
+    </xsd:element>
+    <xsd:element name="SharedWithDetails" ma:index="18" nillable="true" ma:displayName="Shared With Details" ma:internalName="SharedWithDetails" ma:readOnly="true">
+      <xsd:simpleType>
+        <xsd:restriction base="dms:Note">
+          <xsd:maxLength value="255"/>
+        </xsd:restriction>
+      </xsd:simpleType>
+    </xsd:element>
+  </xsd:schema>
+  <xsd:schema xmlns="http://schemas.openxmlformats.org/package/2006/metadata/core-properties" xmlns:xsd="http://www.w3.org/2001/XMLSchema" xmlns:xsi="http://www.w3.org/2001/XMLSchema-instance" xmlns:dc="http://purl.org/dc/elements/1.1/" xmlns:dcterms="http://purl.org/dc/terms/" xmlns:odoc="http://schemas.microsoft.com/internal/obd" targetNamespace="http://schemas.openxmlformats.org/package/2006/metadata/core-properties" elementFormDefault="qualified" attributeFormDefault="unqualified" blockDefault="#all">
+    <xsd:import namespace="http://purl.org/dc/elements/1.1/" schemaLocation="http://dublincore.org/schemas/xmls/qdc/2003/04/02/dc.xsd"/>
+    <xsd:import namespace="http://purl.org/dc/terms/" schemaLocation="http://dublincore.org/schemas/xmls/qdc/2003/04/02/dcterms.xsd"/>
+    <xsd:element name="coreProperties" type="CT_coreProperties"/>
+    <xsd:complexType name="CT_coreProperties">
+      <xsd:all>
+        <xsd:element ref="dc:creator" minOccurs="0" maxOccurs="1"/>
+        <xsd:element ref="dcterms:created" minOccurs="0" maxOccurs="1"/>
+        <xsd:element ref="dc:identifier" minOccurs="0" maxOccurs="1"/>
+        <xsd:element name="contentType" minOccurs="0" maxOccurs="1" type="xsd:string" ma:index="0" ma:displayName="Content Type"/>
+        <xsd:element ref="dc:title" minOccurs="0" maxOccurs="1" ma:index="4" ma:displayName="Title"/>
+        <xsd:element ref="dc:subject" minOccurs="0" maxOccurs="1"/>
+        <xsd:element ref="dc:description" minOccurs="0" maxOccurs="1"/>
+        <xsd:element name="keywords" minOccurs="0" maxOccurs="1" type="xsd:string"/>
+        <xsd:element ref="dc:language" minOccurs="0" maxOccurs="1"/>
+        <xsd:element name="category" minOccurs="0" maxOccurs="1" type="xsd:string"/>
+        <xsd:element name="version" minOccurs="0" maxOccurs="1" type="xsd:string"/>
+        <xsd:element name="revision" minOccurs="0" maxOccurs="1" type="xsd:string">
+          <xsd:annotation>
+            <xsd:documentation>
+                        This value indicates the number of saves or revisions. The application is responsible for updating this value after each revision.
+                    </xsd:documentation>
+          </xsd:annotation>
+        </xsd:element>
+        <xsd:element name="lastModifiedBy" minOccurs="0" maxOccurs="1" type="xsd:string"/>
+        <xsd:element ref="dcterms:modified" minOccurs="0" maxOccurs="1"/>
+        <xsd:element name="contentStatus" minOccurs="0" maxOccurs="1" type="xsd:string"/>
+      </xsd:all>
+    </xsd:complexType>
+  </xsd:schema>
+  <xs:schema xmlns:pc="http://schemas.microsoft.com/office/infopath/2007/PartnerControls" xmlns:xs="http://www.w3.org/2001/XMLSchema" targetNamespace="http://schemas.microsoft.com/office/infopath/2007/PartnerControls" elementFormDefault="qualified" attributeFormDefault="unqualified">
+    <xs:element name="Person">
+      <xs:complexType>
+        <xs:sequence>
+          <xs:element ref="pc:DisplayName" minOccurs="0"/>
+          <xs:element ref="pc:AccountId" minOccurs="0"/>
+          <xs:element ref="pc:AccountType" minOccurs="0"/>
+        </xs:sequence>
+      </xs:complexType>
+    </xs:element>
+    <xs:element name="DisplayName" type="xs:string"/>
+    <xs:element name="AccountId" type="xs:string"/>
+    <xs:element name="AccountType" type="xs:string"/>
+    <xs:element name="BDCAssociatedEntity">
+      <xs:complexType>
+        <xs:sequence>
+          <xs:element ref="pc:BDCEntity" minOccurs="0" maxOccurs="unbounded"/>
+        </xs:sequence>
+        <xs:attribute ref="pc:EntityNamespace"/>
+        <xs:attribute ref="pc:EntityName"/>
+        <xs:attribute ref="pc:SystemInstanceName"/>
+        <xs:attribute ref="pc:AssociationName"/>
+      </xs:complexType>
+    </xs:element>
+    <xs:attribute name="EntityNamespace" type="xs:string"/>
+    <xs:attribute name="EntityName" type="xs:string"/>
+    <xs:attribute name="SystemInstanceName" type="xs:string"/>
+    <xs:attribute name="AssociationName" type="xs:string"/>
+    <xs:element name="BDCEntity">
+      <xs:complexType>
+        <xs:sequence>
+          <xs:element ref="pc:EntityDisplayName" minOccurs="0"/>
+          <xs:element ref="pc:EntityInstanceReference" minOccurs="0"/>
+          <xs:element ref="pc:EntityId1" minOccurs="0"/>
+          <xs:element ref="pc:EntityId2" minOccurs="0"/>
+          <xs:element ref="pc:EntityId3" minOccurs="0"/>
+          <xs:element ref="pc:EntityId4" minOccurs="0"/>
+          <xs:element ref="pc:EntityId5" minOccurs="0"/>
+        </xs:sequence>
+      </xs:complexType>
+    </xs:element>
+    <xs:element name="EntityDisplayName" type="xs:string"/>
+    <xs:element name="EntityInstanceReference" type="xs:string"/>
+    <xs:element name="EntityId1" type="xs:string"/>
+    <xs:element name="EntityId2" type="xs:string"/>
+    <xs:element name="EntityId3" type="xs:string"/>
+    <xs:element name="EntityId4" type="xs:string"/>
+    <xs:element name="EntityId5" type="xs:string"/>
+    <xs:element name="Terms">
+      <xs:complexType>
+        <xs:sequence>
+          <xs:element ref="pc:TermInfo" minOccurs="0" maxOccurs="unbounded"/>
+        </xs:sequence>
+      </xs:complexType>
+    </xs:element>
+    <xs:element name="TermInfo">
+      <xs:complexType>
+        <xs:sequence>
+          <xs:element ref="pc:TermName" minOccurs="0"/>
+          <xs:element ref="pc:TermId" minOccurs="0"/>
+        </xs:sequence>
+      </xs:complexType>
+    </xs:element>
+    <xs:element name="TermName" type="xs:string"/>
+    <xs:element name="TermId" type="xs:string"/>
+  </xs:schema>
+</ct:contentTypeSchema>
+</file>
+
+<file path=customXml/item2.xml><?xml version="1.0" encoding="utf-8"?>
+<?mso-contentType ?>
+<FormTemplates xmlns="http://schemas.microsoft.com/sharepoint/v3/contenttype/forms">
+  <Display>DocumentLibraryForm</Display>
+  <Edit>DocumentLibraryForm</Edit>
+  <New>DocumentLibraryForm</New>
+</FormTemplates>
+</file>
+
+<file path=customXml/itemProps1.xml><?xml version="1.0" encoding="utf-8"?>
+<ds:datastoreItem xmlns:ds="http://schemas.openxmlformats.org/officeDocument/2006/customXml" ds:itemID="{AEA6D2F4-94C5-4BC2-82D5-69F8EE920DBF}"/>
+</file>
+
+<file path=customXml/itemProps2.xml><?xml version="1.0" encoding="utf-8"?>
+<ds:datastoreItem xmlns:ds="http://schemas.openxmlformats.org/officeDocument/2006/customXml" ds:itemID="{43B30DAB-9184-4E4E-9EC3-CA4502E0BD68}"/>
 </file>
--- a/GFG JS Course Curriculam/Articles/006 Objects.pptx
+++ b/GFG JS Course Curriculam/Articles/006 Objects.pptx
@@ -2,101 +2,101 @@
 <file path=ppt/presentation.xml><?xml version="1.0" encoding="utf-8"?>
 <p:presentation xmlns:a="http://schemas.openxmlformats.org/drawingml/2006/main" xmlns:r="http://schemas.openxmlformats.org/officeDocument/2006/relationships" xmlns:p="http://schemas.openxmlformats.org/presentationml/2006/main" saveSubsetFonts="1">
   <p:sldMasterIdLst>
-    <p:sldMasterId id="2147483690" r:id="rId1"/>
+    <p:sldMasterId id="2147483690" r:id="rId3"/>
   </p:sldMasterIdLst>
   <p:sldIdLst>
-    <p:sldId id="256" r:id="rId2"/>
-    <p:sldId id="257" r:id="rId3"/>
-    <p:sldId id="258" r:id="rId4"/>
-    <p:sldId id="259" r:id="rId5"/>
-    <p:sldId id="260" r:id="rId6"/>
-    <p:sldId id="261" r:id="rId7"/>
-    <p:sldId id="262" r:id="rId8"/>
-    <p:sldId id="263" r:id="rId9"/>
-    <p:sldId id="264" r:id="rId10"/>
-    <p:sldId id="265" r:id="rId11"/>
-    <p:sldId id="266" r:id="rId12"/>
-    <p:sldId id="267" r:id="rId13"/>
-    <p:sldId id="268" r:id="rId14"/>
-    <p:sldId id="269" r:id="rId15"/>
-    <p:sldId id="270" r:id="rId16"/>
-    <p:sldId id="271" r:id="rId17"/>
-    <p:sldId id="272" r:id="rId18"/>
-    <p:sldId id="273" r:id="rId19"/>
-    <p:sldId id="274" r:id="rId20"/>
-    <p:sldId id="275" r:id="rId21"/>
-    <p:sldId id="276" r:id="rId22"/>
-    <p:sldId id="277" r:id="rId23"/>
-    <p:sldId id="278" r:id="rId24"/>
-    <p:sldId id="279" r:id="rId25"/>
-    <p:sldId id="280" r:id="rId26"/>
-    <p:sldId id="281" r:id="rId27"/>
-    <p:sldId id="282" r:id="rId28"/>
-    <p:sldId id="283" r:id="rId29"/>
-    <p:sldId id="284" r:id="rId30"/>
-    <p:sldId id="285" r:id="rId31"/>
-    <p:sldId id="286" r:id="rId32"/>
-    <p:sldId id="287" r:id="rId33"/>
-    <p:sldId id="288" r:id="rId34"/>
-    <p:sldId id="289" r:id="rId35"/>
-    <p:sldId id="290" r:id="rId36"/>
-    <p:sldId id="291" r:id="rId37"/>
-    <p:sldId id="292" r:id="rId38"/>
-    <p:sldId id="293" r:id="rId39"/>
-    <p:sldId id="294" r:id="rId40"/>
-    <p:sldId id="295" r:id="rId41"/>
-    <p:sldId id="296" r:id="rId42"/>
-    <p:sldId id="297" r:id="rId43"/>
-    <p:sldId id="298" r:id="rId44"/>
-    <p:sldId id="299" r:id="rId45"/>
-    <p:sldId id="300" r:id="rId46"/>
-    <p:sldId id="301" r:id="rId47"/>
-    <p:sldId id="302" r:id="rId48"/>
-    <p:sldId id="303" r:id="rId49"/>
-    <p:sldId id="304" r:id="rId50"/>
-    <p:sldId id="305" r:id="rId51"/>
-    <p:sldId id="306" r:id="rId52"/>
-    <p:sldId id="307" r:id="rId53"/>
-    <p:sldId id="308" r:id="rId54"/>
-    <p:sldId id="309" r:id="rId55"/>
-    <p:sldId id="310" r:id="rId56"/>
-    <p:sldId id="311" r:id="rId57"/>
-    <p:sldId id="312" r:id="rId58"/>
-    <p:sldId id="313" r:id="rId59"/>
-    <p:sldId id="314" r:id="rId60"/>
-    <p:sldId id="315" r:id="rId61"/>
-    <p:sldId id="316" r:id="rId62"/>
-    <p:sldId id="317" r:id="rId63"/>
-    <p:sldId id="318" r:id="rId64"/>
-    <p:sldId id="319" r:id="rId65"/>
-    <p:sldId id="320" r:id="rId66"/>
-    <p:sldId id="321" r:id="rId67"/>
-    <p:sldId id="322" r:id="rId68"/>
-    <p:sldId id="323" r:id="rId69"/>
-    <p:sldId id="324" r:id="rId70"/>
-    <p:sldId id="325" r:id="rId71"/>
-    <p:sldId id="326" r:id="rId72"/>
-    <p:sldId id="327" r:id="rId73"/>
-    <p:sldId id="328" r:id="rId74"/>
-    <p:sldId id="329" r:id="rId75"/>
-    <p:sldId id="330" r:id="rId76"/>
-    <p:sldId id="331" r:id="rId77"/>
-    <p:sldId id="332" r:id="rId78"/>
-    <p:sldId id="333" r:id="rId79"/>
-    <p:sldId id="334" r:id="rId80"/>
-    <p:sldId id="335" r:id="rId81"/>
-    <p:sldId id="336" r:id="rId82"/>
-    <p:sldId id="337" r:id="rId83"/>
-    <p:sldId id="338" r:id="rId84"/>
-    <p:sldId id="339" r:id="rId85"/>
-    <p:sldId id="340" r:id="rId86"/>
-    <p:sldId id="341" r:id="rId87"/>
-    <p:sldId id="342" r:id="rId88"/>
-    <p:sldId id="343" r:id="rId89"/>
-    <p:sldId id="344" r:id="rId90"/>
-    <p:sldId id="345" r:id="rId91"/>
-    <p:sldId id="346" r:id="rId92"/>
-    <p:sldId id="347" r:id="rId93"/>
+    <p:sldId id="256" r:id="rId4"/>
+    <p:sldId id="257" r:id="rId5"/>
+    <p:sldId id="258" r:id="rId6"/>
+    <p:sldId id="259" r:id="rId7"/>
+    <p:sldId id="260" r:id="rId8"/>
+    <p:sldId id="261" r:id="rId9"/>
+    <p:sldId id="262" r:id="rId10"/>
+    <p:sldId id="263" r:id="rId11"/>
+    <p:sldId id="264" r:id="rId12"/>
+    <p:sldId id="265" r:id="rId13"/>
+    <p:sldId id="266" r:id="rId14"/>
+    <p:sldId id="267" r:id="rId15"/>
+    <p:sldId id="268" r:id="rId16"/>
+    <p:sldId id="269" r:id="rId17"/>
+    <p:sldId id="270" r:id="rId18"/>
+    <p:sldId id="271" r:id="rId19"/>
+    <p:sldId id="272" r:id="rId20"/>
+    <p:sldId id="273" r:id="rId21"/>
+    <p:sldId id="274" r:id="rId22"/>
+    <p:sldId id="275" r:id="rId23"/>
+    <p:sldId id="276" r:id="rId24"/>
+    <p:sldId id="277" r:id="rId25"/>
+    <p:sldId id="278" r:id="rId26"/>
+    <p:sldId id="279" r:id="rId27"/>
+    <p:sldId id="280" r:id="rId28"/>
+    <p:sldId id="281" r:id="rId29"/>
+    <p:sldId id="282" r:id="rId30"/>
+    <p:sldId id="283" r:id="rId31"/>
+    <p:sldId id="284" r:id="rId32"/>
+    <p:sldId id="285" r:id="rId33"/>
+    <p:sldId id="286" r:id="rId34"/>
+    <p:sldId id="287" r:id="rId35"/>
+    <p:sldId id="288" r:id="rId36"/>
+    <p:sldId id="289" r:id="rId37"/>
+    <p:sldId id="290" r:id="rId38"/>
+    <p:sldId id="291" r:id="rId39"/>
+    <p:sldId id="292" r:id="rId40"/>
+    <p:sldId id="293" r:id="rId41"/>
+    <p:sldId id="294" r:id="rId42"/>
+    <p:sldId id="295" r:id="rId43"/>
+    <p:sldId id="296" r:id="rId44"/>
+    <p:sldId id="297" r:id="rId45"/>
+    <p:sldId id="298" r:id="rId46"/>
+    <p:sldId id="299" r:id="rId47"/>
+    <p:sldId id="300" r:id="rId48"/>
+    <p:sldId id="301" r:id="rId49"/>
+    <p:sldId id="302" r:id="rId50"/>
+    <p:sldId id="303" r:id="rId51"/>
+    <p:sldId id="304" r:id="rId52"/>
+    <p:sldId id="305" r:id="rId53"/>
+    <p:sldId id="306" r:id="rId54"/>
+    <p:sldId id="307" r:id="rId55"/>
+    <p:sldId id="308" r:id="rId56"/>
+    <p:sldId id="309" r:id="rId57"/>
+    <p:sldId id="310" r:id="rId58"/>
+    <p:sldId id="311" r:id="rId59"/>
+    <p:sldId id="312" r:id="rId60"/>
+    <p:sldId id="313" r:id="rId61"/>
+    <p:sldId id="314" r:id="rId62"/>
+    <p:sldId id="315" r:id="rId63"/>
+    <p:sldId id="316" r:id="rId64"/>
+    <p:sldId id="317" r:id="rId65"/>
+    <p:sldId id="318" r:id="rId66"/>
+    <p:sldId id="319" r:id="rId67"/>
+    <p:sldId id="320" r:id="rId68"/>
+    <p:sldId id="321" r:id="rId69"/>
+    <p:sldId id="322" r:id="rId70"/>
+    <p:sldId id="323" r:id="rId71"/>
+    <p:sldId id="324" r:id="rId72"/>
+    <p:sldId id="325" r:id="rId73"/>
+    <p:sldId id="326" r:id="rId74"/>
+    <p:sldId id="327" r:id="rId75"/>
+    <p:sldId id="328" r:id="rId76"/>
+    <p:sldId id="329" r:id="rId77"/>
+    <p:sldId id="330" r:id="rId78"/>
+    <p:sldId id="331" r:id="rId79"/>
+    <p:sldId id="332" r:id="rId80"/>
+    <p:sldId id="333" r:id="rId81"/>
+    <p:sldId id="334" r:id="rId82"/>
+    <p:sldId id="335" r:id="rId83"/>
+    <p:sldId id="336" r:id="rId84"/>
+    <p:sldId id="337" r:id="rId85"/>
+    <p:sldId id="338" r:id="rId86"/>
+    <p:sldId id="339" r:id="rId87"/>
+    <p:sldId id="340" r:id="rId88"/>
+    <p:sldId id="341" r:id="rId89"/>
+    <p:sldId id="342" r:id="rId90"/>
+    <p:sldId id="343" r:id="rId91"/>
+    <p:sldId id="344" r:id="rId92"/>
+    <p:sldId id="345" r:id="rId93"/>
+    <p:sldId id="346" r:id="rId94"/>
+    <p:sldId id="347" r:id="rId95"/>
   </p:sldIdLst>
   <p:sldSz cx="12192000" cy="6858000"/>
   <p:notesSz cx="6858000" cy="9144000"/>
@@ -399,7 +399,7 @@
           <a:p>
             <a:fld id="{8DCB9C87-6AD0-42E8-A0D8-9624BC9C2462}" type="datetimeFigureOut">
               <a:rPr lang="en-IN" smtClean="0"/>
-              <a:t>25-12-2022</a:t>
+              <a:t>11-01-2023</a:t>
             </a:fld>
             <a:endParaRPr lang="en-IN"/>
           </a:p>
@@ -620,7 +620,7 @@
           <a:p>
             <a:fld id="{8DCB9C87-6AD0-42E8-A0D8-9624BC9C2462}" type="datetimeFigureOut">
               <a:rPr lang="en-IN" smtClean="0"/>
-              <a:t>25-12-2022</a:t>
+              <a:t>11-01-2023</a:t>
             </a:fld>
             <a:endParaRPr lang="en-IN"/>
           </a:p>
@@ -800,7 +800,7 @@
           <a:p>
             <a:fld id="{8DCB9C87-6AD0-42E8-A0D8-9624BC9C2462}" type="datetimeFigureOut">
               <a:rPr lang="en-IN" smtClean="0"/>
-              <a:t>25-12-2022</a:t>
+              <a:t>11-01-2023</a:t>
             </a:fld>
             <a:endParaRPr lang="en-IN"/>
           </a:p>
@@ -970,7 +970,7 @@
           <a:p>
             <a:fld id="{8DCB9C87-6AD0-42E8-A0D8-9624BC9C2462}" type="datetimeFigureOut">
               <a:rPr lang="en-IN" smtClean="0"/>
-              <a:t>25-12-2022</a:t>
+              <a:t>11-01-2023</a:t>
             </a:fld>
             <a:endParaRPr lang="en-IN"/>
           </a:p>
@@ -1221,7 +1221,7 @@
           <a:p>
             <a:fld id="{8DCB9C87-6AD0-42E8-A0D8-9624BC9C2462}" type="datetimeFigureOut">
               <a:rPr lang="en-IN" smtClean="0"/>
-              <a:t>25-12-2022</a:t>
+              <a:t>11-01-2023</a:t>
             </a:fld>
             <a:endParaRPr lang="en-IN"/>
           </a:p>
@@ -1544,7 +1544,7 @@
           <a:p>
             <a:fld id="{8DCB9C87-6AD0-42E8-A0D8-9624BC9C2462}" type="datetimeFigureOut">
               <a:rPr lang="en-IN" smtClean="0"/>
-              <a:t>25-12-2022</a:t>
+              <a:t>11-01-2023</a:t>
             </a:fld>
             <a:endParaRPr lang="en-IN"/>
           </a:p>
@@ -1968,7 +1968,7 @@
           <a:p>
             <a:fld id="{8DCB9C87-6AD0-42E8-A0D8-9624BC9C2462}" type="datetimeFigureOut">
               <a:rPr lang="en-IN" smtClean="0"/>
-              <a:t>25-12-2022</a:t>
+              <a:t>11-01-2023</a:t>
             </a:fld>
             <a:endParaRPr lang="en-IN"/>
           </a:p>
@@ -2086,7 +2086,7 @@
           <a:p>
             <a:fld id="{8DCB9C87-6AD0-42E8-A0D8-9624BC9C2462}" type="datetimeFigureOut">
               <a:rPr lang="en-IN" smtClean="0"/>
-              <a:t>25-12-2022</a:t>
+              <a:t>11-01-2023</a:t>
             </a:fld>
             <a:endParaRPr lang="en-IN"/>
           </a:p>
@@ -2181,7 +2181,7 @@
           <a:p>
             <a:fld id="{8DCB9C87-6AD0-42E8-A0D8-9624BC9C2462}" type="datetimeFigureOut">
               <a:rPr lang="en-IN" smtClean="0"/>
-              <a:t>25-12-2022</a:t>
+              <a:t>11-01-2023</a:t>
             </a:fld>
             <a:endParaRPr lang="en-IN"/>
           </a:p>
@@ -2471,7 +2471,7 @@
           <a:p>
             <a:fld id="{8DCB9C87-6AD0-42E8-A0D8-9624BC9C2462}" type="datetimeFigureOut">
               <a:rPr lang="en-IN" smtClean="0"/>
-              <a:t>25-12-2022</a:t>
+              <a:t>11-01-2023</a:t>
             </a:fld>
             <a:endParaRPr lang="en-IN"/>
           </a:p>
@@ -2743,7 +2743,7 @@
           <a:p>
             <a:fld id="{8DCB9C87-6AD0-42E8-A0D8-9624BC9C2462}" type="datetimeFigureOut">
               <a:rPr lang="en-IN" smtClean="0"/>
-              <a:t>25-12-2022</a:t>
+              <a:t>11-01-2023</a:t>
             </a:fld>
             <a:endParaRPr lang="en-IN"/>
           </a:p>
@@ -2997,7 +2997,7 @@
           <a:p>
             <a:fld id="{8DCB9C87-6AD0-42E8-A0D8-9624BC9C2462}" type="datetimeFigureOut">
               <a:rPr lang="en-IN" smtClean="0"/>
-              <a:t>25-12-2022</a:t>
+              <a:t>11-01-2023</a:t>
             </a:fld>
             <a:endParaRPr lang="en-IN"/>
           </a:p>
@@ -15134,6 +15134,15 @@
 </file>
 
 <file path=customXml/item1.xml><?xml version="1.0" encoding="utf-8"?>
+<?mso-contentType ?>
+<FormTemplates xmlns="http://schemas.microsoft.com/sharepoint/v3/contenttype/forms">
+  <Display>DocumentLibraryForm</Display>
+  <Edit>DocumentLibraryForm</Edit>
+  <New>DocumentLibraryForm</New>
+</FormTemplates>
+</file>
+
+<file path=customXml/item2.xml><?xml version="1.0" encoding="utf-8"?>
 <ct:contentTypeSchema xmlns:ct="http://schemas.microsoft.com/office/2006/metadata/contentType" xmlns:ma="http://schemas.microsoft.com/office/2006/metadata/properties/metaAttributes" ct:_="" ma:_="" ma:contentTypeName="Document" ma:contentTypeID="0x01010025EC667E64F3664AA9FF84395B73BBB2" ma:contentTypeVersion="12" ma:contentTypeDescription="Create a new document." ma:contentTypeScope="" ma:versionID="6b12c4ceb98f90cef75c2b4a7241f9ea">
   <xsd:schema xmlns:xsd="http://www.w3.org/2001/XMLSchema" xmlns:xs="http://www.w3.org/2001/XMLSchema" xmlns:p="http://schemas.microsoft.com/office/2006/metadata/properties" xmlns:ns2="11dab2fc-a00f-488b-a519-3911044eea4e" xmlns:ns3="202a9836-ee93-41fb-ba3c-167105785a0d" targetNamespace="http://schemas.microsoft.com/office/2006/metadata/properties" ma:root="true" ma:fieldsID="c1df371a784d1a7c3bc1d50e69810467" ns2:_="" ns3:_="">
     <xsd:import namespace="11dab2fc-a00f-488b-a519-3911044eea4e"/>
@@ -15350,19 +15359,35 @@
 </ct:contentTypeSchema>
 </file>
 
-<file path=customXml/item2.xml><?xml version="1.0" encoding="utf-8"?>
-<?mso-contentType ?>
-<FormTemplates xmlns="http://schemas.microsoft.com/sharepoint/v3/contenttype/forms">
-  <Display>DocumentLibraryForm</Display>
-  <Edit>DocumentLibraryForm</Edit>
-  <New>DocumentLibraryForm</New>
-</FormTemplates>
-</file>
-
 <file path=customXml/itemProps1.xml><?xml version="1.0" encoding="utf-8"?>
-<ds:datastoreItem xmlns:ds="http://schemas.openxmlformats.org/officeDocument/2006/customXml" ds:itemID="{AEA6D2F4-94C5-4BC2-82D5-69F8EE920DBF}"/>
+<ds:datastoreItem xmlns:ds="http://schemas.openxmlformats.org/officeDocument/2006/customXml" ds:itemID="{43B30DAB-9184-4E4E-9EC3-CA4502E0BD68}">
+  <ds:schemaRefs>
+    <ds:schemaRef ds:uri="http://schemas.microsoft.com/sharepoint/v3/contenttype/forms"/>
+  </ds:schemaRefs>
+</ds:datastoreItem>
 </file>
 
 <file path=customXml/itemProps2.xml><?xml version="1.0" encoding="utf-8"?>
-<ds:datastoreItem xmlns:ds="http://schemas.openxmlformats.org/officeDocument/2006/customXml" ds:itemID="{43B30DAB-9184-4E4E-9EC3-CA4502E0BD68}"/>
+<ds:datastoreItem xmlns:ds="http://schemas.openxmlformats.org/officeDocument/2006/customXml" ds:itemID="{AEA6D2F4-94C5-4BC2-82D5-69F8EE920DBF}">
+  <ds:schemaRefs>
+    <ds:schemaRef ds:uri="http://schemas.microsoft.com/office/2006/metadata/contentType"/>
+    <ds:schemaRef ds:uri="http://schemas.microsoft.com/office/2006/metadata/properties/metaAttributes"/>
+    <ds:schemaRef ds:uri="http://www.w3.org/2001/XMLSchema"/>
+    <ds:schemaRef ds:uri="http://schemas.microsoft.com/office/2006/metadata/properties"/>
+    <ds:schemaRef ds:uri="11dab2fc-a00f-488b-a519-3911044eea4e"/>
+    <ds:schemaRef ds:uri="202a9836-ee93-41fb-ba3c-167105785a0d"/>
+    <ds:schemaRef ds:uri="http://schemas.microsoft.com/office/2006/documentManagement/types"/>
+    <ds:schemaRef ds:uri="http://schemas.microsoft.com/office/infopath/2007/PartnerControls"/>
+    <ds:schemaRef ds:uri="http://schemas.openxmlformats.org/package/2006/metadata/core-properties"/>
+    <ds:schemaRef ds:uri="http://purl.org/dc/elements/1.1/"/>
+    <ds:schemaRef ds:uri="http://purl.org/dc/terms/"/>
+    <ds:schemaRef ds:uri="http://schemas.microsoft.com/internal/obd"/>
+  </ds:schemaRefs>
+</ds:datastoreItem>
+</file>
+
+<file path=docMetadata/LabelInfo.xml><?xml version="1.0" encoding="utf-8"?>
+<clbl:labelList xmlns:clbl="http://schemas.microsoft.com/office/2020/mipLabelMetadata">
+  <clbl:label id="{0bfa236d-8472-42aa-9a40-ab46036c5596}" enabled="1" method="Privileged" siteId="{e0793d39-0939-496d-b129-198edd916feb}" removed="0"/>
+</clbl:labelList>
 </file>